--- a/testpresentation.pptx
+++ b/testpresentation.pptx
@@ -2,18 +2,18 @@
 <file path=ppt/presentation.xml><?xml version="1.0" encoding="utf-8"?>
 <p:presentation xmlns:a="http://schemas.openxmlformats.org/drawingml/2006/main" xmlns:r="http://schemas.openxmlformats.org/officeDocument/2006/relationships" xmlns:p="http://schemas.openxmlformats.org/presentationml/2006/main" saveSubsetFonts="1" autoCompressPictures="0">
   <p:sldMasterIdLst>
-    <p:sldMasterId id="2147483648" r:id="rId1"/>
+    <p:sldMasterId id="2147483696" r:id="rId1"/>
   </p:sldMasterIdLst>
   <p:sldIdLst>
     <p:sldId id="256" r:id="rId2"/>
   </p:sldIdLst>
-  <p:sldSz cx="12192000" cy="6858000"/>
+  <p:sldSz cx="10826750" cy="8120063" type="B4ISO"/>
   <p:notesSz cx="6858000" cy="9144000"/>
   <p:defaultTextStyle>
     <a:defPPr>
       <a:defRPr lang="en-US"/>
     </a:defPPr>
-    <a:lvl1pPr marL="0" algn="l" defTabSz="914400" rtl="0" eaLnBrk="1" latinLnBrk="0" hangingPunct="1">
+    <a:lvl1pPr marL="0" algn="l" defTabSz="457200" rtl="0" eaLnBrk="1" latinLnBrk="0" hangingPunct="1">
       <a:defRPr sz="1800" kern="1200">
         <a:solidFill>
           <a:schemeClr val="tx1"/>
@@ -23,7 +23,7 @@
         <a:cs typeface="+mn-cs"/>
       </a:defRPr>
     </a:lvl1pPr>
-    <a:lvl2pPr marL="457200" algn="l" defTabSz="914400" rtl="0" eaLnBrk="1" latinLnBrk="0" hangingPunct="1">
+    <a:lvl2pPr marL="457200" algn="l" defTabSz="457200" rtl="0" eaLnBrk="1" latinLnBrk="0" hangingPunct="1">
       <a:defRPr sz="1800" kern="1200">
         <a:solidFill>
           <a:schemeClr val="tx1"/>
@@ -33,7 +33,7 @@
         <a:cs typeface="+mn-cs"/>
       </a:defRPr>
     </a:lvl2pPr>
-    <a:lvl3pPr marL="914400" algn="l" defTabSz="914400" rtl="0" eaLnBrk="1" latinLnBrk="0" hangingPunct="1">
+    <a:lvl3pPr marL="914400" algn="l" defTabSz="457200" rtl="0" eaLnBrk="1" latinLnBrk="0" hangingPunct="1">
       <a:defRPr sz="1800" kern="1200">
         <a:solidFill>
           <a:schemeClr val="tx1"/>
@@ -43,7 +43,7 @@
         <a:cs typeface="+mn-cs"/>
       </a:defRPr>
     </a:lvl3pPr>
-    <a:lvl4pPr marL="1371600" algn="l" defTabSz="914400" rtl="0" eaLnBrk="1" latinLnBrk="0" hangingPunct="1">
+    <a:lvl4pPr marL="1371600" algn="l" defTabSz="457200" rtl="0" eaLnBrk="1" latinLnBrk="0" hangingPunct="1">
       <a:defRPr sz="1800" kern="1200">
         <a:solidFill>
           <a:schemeClr val="tx1"/>
@@ -53,7 +53,7 @@
         <a:cs typeface="+mn-cs"/>
       </a:defRPr>
     </a:lvl4pPr>
-    <a:lvl5pPr marL="1828800" algn="l" defTabSz="914400" rtl="0" eaLnBrk="1" latinLnBrk="0" hangingPunct="1">
+    <a:lvl5pPr marL="1828800" algn="l" defTabSz="457200" rtl="0" eaLnBrk="1" latinLnBrk="0" hangingPunct="1">
       <a:defRPr sz="1800" kern="1200">
         <a:solidFill>
           <a:schemeClr val="tx1"/>
@@ -63,7 +63,7 @@
         <a:cs typeface="+mn-cs"/>
       </a:defRPr>
     </a:lvl5pPr>
-    <a:lvl6pPr marL="2286000" algn="l" defTabSz="914400" rtl="0" eaLnBrk="1" latinLnBrk="0" hangingPunct="1">
+    <a:lvl6pPr marL="2286000" algn="l" defTabSz="457200" rtl="0" eaLnBrk="1" latinLnBrk="0" hangingPunct="1">
       <a:defRPr sz="1800" kern="1200">
         <a:solidFill>
           <a:schemeClr val="tx1"/>
@@ -73,7 +73,7 @@
         <a:cs typeface="+mn-cs"/>
       </a:defRPr>
     </a:lvl6pPr>
-    <a:lvl7pPr marL="2743200" algn="l" defTabSz="914400" rtl="0" eaLnBrk="1" latinLnBrk="0" hangingPunct="1">
+    <a:lvl7pPr marL="2743200" algn="l" defTabSz="457200" rtl="0" eaLnBrk="1" latinLnBrk="0" hangingPunct="1">
       <a:defRPr sz="1800" kern="1200">
         <a:solidFill>
           <a:schemeClr val="tx1"/>
@@ -83,7 +83,7 @@
         <a:cs typeface="+mn-cs"/>
       </a:defRPr>
     </a:lvl7pPr>
-    <a:lvl8pPr marL="3200400" algn="l" defTabSz="914400" rtl="0" eaLnBrk="1" latinLnBrk="0" hangingPunct="1">
+    <a:lvl8pPr marL="3200400" algn="l" defTabSz="457200" rtl="0" eaLnBrk="1" latinLnBrk="0" hangingPunct="1">
       <a:defRPr sz="1800" kern="1200">
         <a:solidFill>
           <a:schemeClr val="tx1"/>
@@ -93,7 +93,7 @@
         <a:cs typeface="+mn-cs"/>
       </a:defRPr>
     </a:lvl8pPr>
-    <a:lvl9pPr marL="3657600" algn="l" defTabSz="914400" rtl="0" eaLnBrk="1" latinLnBrk="0" hangingPunct="1">
+    <a:lvl9pPr marL="3657600" algn="l" defTabSz="457200" rtl="0" eaLnBrk="1" latinLnBrk="0" hangingPunct="1">
       <a:defRPr sz="1800" kern="1200">
         <a:solidFill>
           <a:schemeClr val="tx1"/>
@@ -126,13 +126,7 @@
       </p:grpSpPr>
       <p:sp>
         <p:nvSpPr>
-          <p:cNvPr id="2" name="Title 1">
-            <a:extLst>
-              <a:ext uri="{FF2B5EF4-FFF2-40B4-BE49-F238E27FC236}">
-                <a16:creationId xmlns:a16="http://schemas.microsoft.com/office/drawing/2014/main" id="{C36FF8DC-EF66-2C4C-86AA-96A8A8E8945F}"/>
-              </a:ext>
-            </a:extLst>
-          </p:cNvPr>
+          <p:cNvPr id="2" name="Title 1"/>
           <p:cNvSpPr>
             <a:spLocks noGrp="1"/>
           </p:cNvSpPr>
@@ -142,26 +136,20 @@
         </p:nvSpPr>
         <p:spPr>
           <a:xfrm>
-            <a:off x="1524000" y="1122363"/>
-            <a:ext cx="9144000" cy="2387600"/>
+            <a:off x="812006" y="1328909"/>
+            <a:ext cx="9202738" cy="2826985"/>
           </a:xfrm>
         </p:spPr>
         <p:txBody>
           <a:bodyPr anchor="b"/>
           <a:lstStyle>
             <a:lvl1pPr algn="ctr">
-              <a:defRPr sz="6000">
-                <a:solidFill>
-                  <a:schemeClr val="accent2">
-                    <a:lumMod val="75000"/>
-                  </a:schemeClr>
-                </a:solidFill>
-              </a:defRPr>
+              <a:defRPr sz="7104"/>
             </a:lvl1pPr>
           </a:lstStyle>
           <a:p>
             <a:r>
-              <a:rPr lang="en-US"/>
+              <a:rPr lang="en-US" dirty="0"/>
               <a:t>Click to edit Master title style</a:t>
             </a:r>
           </a:p>
@@ -169,13 +157,7 @@
       </p:sp>
       <p:sp>
         <p:nvSpPr>
-          <p:cNvPr id="3" name="Subtitle 2">
-            <a:extLst>
-              <a:ext uri="{FF2B5EF4-FFF2-40B4-BE49-F238E27FC236}">
-                <a16:creationId xmlns:a16="http://schemas.microsoft.com/office/drawing/2014/main" id="{2ABA8C00-E2F0-4546-B85E-A1CDB591805A}"/>
-              </a:ext>
-            </a:extLst>
-          </p:cNvPr>
+          <p:cNvPr id="3" name="Subtitle 2"/>
           <p:cNvSpPr>
             <a:spLocks noGrp="1"/>
           </p:cNvSpPr>
@@ -185,8 +167,8 @@
         </p:nvSpPr>
         <p:spPr>
           <a:xfrm>
-            <a:off x="1524000" y="3602038"/>
-            <a:ext cx="9144000" cy="1655762"/>
+            <a:off x="1353344" y="4264913"/>
+            <a:ext cx="8120063" cy="1960468"/>
           </a:xfrm>
         </p:spPr>
         <p:txBody>
@@ -194,39 +176,39 @@
           <a:lstStyle>
             <a:lvl1pPr marL="0" indent="0" algn="ctr">
               <a:buNone/>
-              <a:defRPr sz="2400"/>
+              <a:defRPr sz="2842"/>
             </a:lvl1pPr>
-            <a:lvl2pPr marL="457200" indent="0" algn="ctr">
-              <a:buNone/>
-              <a:defRPr sz="2000"/>
+            <a:lvl2pPr marL="541325" indent="0" algn="ctr">
+              <a:buNone/>
+              <a:defRPr sz="2368"/>
             </a:lvl2pPr>
-            <a:lvl3pPr marL="914400" indent="0" algn="ctr">
-              <a:buNone/>
-              <a:defRPr sz="1800"/>
+            <a:lvl3pPr marL="1082650" indent="0" algn="ctr">
+              <a:buNone/>
+              <a:defRPr sz="2131"/>
             </a:lvl3pPr>
-            <a:lvl4pPr marL="1371600" indent="0" algn="ctr">
-              <a:buNone/>
-              <a:defRPr sz="1600"/>
+            <a:lvl4pPr marL="1623974" indent="0" algn="ctr">
+              <a:buNone/>
+              <a:defRPr sz="1894"/>
             </a:lvl4pPr>
-            <a:lvl5pPr marL="1828800" indent="0" algn="ctr">
-              <a:buNone/>
-              <a:defRPr sz="1600"/>
+            <a:lvl5pPr marL="2165299" indent="0" algn="ctr">
+              <a:buNone/>
+              <a:defRPr sz="1894"/>
             </a:lvl5pPr>
-            <a:lvl6pPr marL="2286000" indent="0" algn="ctr">
-              <a:buNone/>
-              <a:defRPr sz="1600"/>
+            <a:lvl6pPr marL="2706624" indent="0" algn="ctr">
+              <a:buNone/>
+              <a:defRPr sz="1894"/>
             </a:lvl6pPr>
-            <a:lvl7pPr marL="2743200" indent="0" algn="ctr">
-              <a:buNone/>
-              <a:defRPr sz="1600"/>
+            <a:lvl7pPr marL="3247949" indent="0" algn="ctr">
+              <a:buNone/>
+              <a:defRPr sz="1894"/>
             </a:lvl7pPr>
-            <a:lvl8pPr marL="3200400" indent="0" algn="ctr">
-              <a:buNone/>
-              <a:defRPr sz="1600"/>
+            <a:lvl8pPr marL="3789274" indent="0" algn="ctr">
+              <a:buNone/>
+              <a:defRPr sz="1894"/>
             </a:lvl8pPr>
-            <a:lvl9pPr marL="3657600" indent="0" algn="ctr">
-              <a:buNone/>
-              <a:defRPr sz="1600"/>
+            <a:lvl9pPr marL="4330598" indent="0" algn="ctr">
+              <a:buNone/>
+              <a:defRPr sz="1894"/>
             </a:lvl9pPr>
           </a:lstStyle>
           <a:p>
@@ -234,18 +216,13 @@
               <a:rPr lang="en-US"/>
               <a:t>Click to edit Master subtitle style</a:t>
             </a:r>
-          </a:p>
-        </p:txBody>
-      </p:sp>
-      <p:sp>
-        <p:nvSpPr>
-          <p:cNvPr id="4" name="Date Placeholder 3">
-            <a:extLst>
-              <a:ext uri="{FF2B5EF4-FFF2-40B4-BE49-F238E27FC236}">
-                <a16:creationId xmlns:a16="http://schemas.microsoft.com/office/drawing/2014/main" id="{3FF29323-ABB6-6E47-A1DE-AD657AC96FCF}"/>
-              </a:ext>
-            </a:extLst>
-          </p:cNvPr>
+            <a:endParaRPr lang="en-US" dirty="0"/>
+          </a:p>
+        </p:txBody>
+      </p:sp>
+      <p:sp>
+        <p:nvSpPr>
+          <p:cNvPr id="4" name="Date Placeholder 3"/>
           <p:cNvSpPr>
             <a:spLocks noGrp="1"/>
           </p:cNvSpPr>
@@ -268,13 +245,7 @@
       </p:sp>
       <p:sp>
         <p:nvSpPr>
-          <p:cNvPr id="5" name="Footer Placeholder 4">
-            <a:extLst>
-              <a:ext uri="{FF2B5EF4-FFF2-40B4-BE49-F238E27FC236}">
-                <a16:creationId xmlns:a16="http://schemas.microsoft.com/office/drawing/2014/main" id="{999830E8-F9EF-6240-AFE3-6918D0546C2B}"/>
-              </a:ext>
-            </a:extLst>
-          </p:cNvPr>
+          <p:cNvPr id="5" name="Footer Placeholder 4"/>
           <p:cNvSpPr>
             <a:spLocks noGrp="1"/>
           </p:cNvSpPr>
@@ -293,13 +264,7 @@
       </p:sp>
       <p:sp>
         <p:nvSpPr>
-          <p:cNvPr id="6" name="Slide Number Placeholder 5">
-            <a:extLst>
-              <a:ext uri="{FF2B5EF4-FFF2-40B4-BE49-F238E27FC236}">
-                <a16:creationId xmlns:a16="http://schemas.microsoft.com/office/drawing/2014/main" id="{5F4C53F0-9CBC-F243-9969-3A12CF16FC56}"/>
-              </a:ext>
-            </a:extLst>
-          </p:cNvPr>
+          <p:cNvPr id="6" name="Slide Number Placeholder 5"/>
           <p:cNvSpPr>
             <a:spLocks noGrp="1"/>
           </p:cNvSpPr>
@@ -323,7 +288,7 @@
     </p:spTree>
     <p:extLst>
       <p:ext uri="{BB962C8B-B14F-4D97-AF65-F5344CB8AC3E}">
-        <p14:creationId xmlns:p14="http://schemas.microsoft.com/office/powerpoint/2010/main" val="3058569725"/>
+        <p14:creationId xmlns:p14="http://schemas.microsoft.com/office/powerpoint/2010/main" val="4013454818"/>
       </p:ext>
     </p:extLst>
   </p:cSld>
@@ -352,13 +317,7 @@
       </p:grpSpPr>
       <p:sp>
         <p:nvSpPr>
-          <p:cNvPr id="2" name="Title 1">
-            <a:extLst>
-              <a:ext uri="{FF2B5EF4-FFF2-40B4-BE49-F238E27FC236}">
-                <a16:creationId xmlns:a16="http://schemas.microsoft.com/office/drawing/2014/main" id="{F2918D0F-5955-CC4D-A06F-0E54E48093E2}"/>
-              </a:ext>
-            </a:extLst>
-          </p:cNvPr>
+          <p:cNvPr id="2" name="Title 1"/>
           <p:cNvSpPr>
             <a:spLocks noGrp="1"/>
           </p:cNvSpPr>
@@ -375,18 +334,13 @@
               <a:rPr lang="en-US"/>
               <a:t>Click to edit Master title style</a:t>
             </a:r>
-          </a:p>
-        </p:txBody>
-      </p:sp>
-      <p:sp>
-        <p:nvSpPr>
-          <p:cNvPr id="3" name="Vertical Text Placeholder 2">
-            <a:extLst>
-              <a:ext uri="{FF2B5EF4-FFF2-40B4-BE49-F238E27FC236}">
-                <a16:creationId xmlns:a16="http://schemas.microsoft.com/office/drawing/2014/main" id="{E1272ABB-EC44-C442-8031-10BE2A34F071}"/>
-              </a:ext>
-            </a:extLst>
-          </p:cNvPr>
+            <a:endParaRPr lang="en-US" dirty="0"/>
+          </a:p>
+        </p:txBody>
+      </p:sp>
+      <p:sp>
+        <p:nvSpPr>
+          <p:cNvPr id="3" name="Vertical Text Placeholder 2"/>
           <p:cNvSpPr>
             <a:spLocks noGrp="1"/>
           </p:cNvSpPr>
@@ -432,18 +386,13 @@
               <a:rPr lang="en-US"/>
               <a:t>Fifth level</a:t>
             </a:r>
-          </a:p>
-        </p:txBody>
-      </p:sp>
-      <p:sp>
-        <p:nvSpPr>
-          <p:cNvPr id="4" name="Date Placeholder 3">
-            <a:extLst>
-              <a:ext uri="{FF2B5EF4-FFF2-40B4-BE49-F238E27FC236}">
-                <a16:creationId xmlns:a16="http://schemas.microsoft.com/office/drawing/2014/main" id="{476D72F4-EF1D-BB4F-8305-999148802348}"/>
-              </a:ext>
-            </a:extLst>
-          </p:cNvPr>
+            <a:endParaRPr lang="en-US" dirty="0"/>
+          </a:p>
+        </p:txBody>
+      </p:sp>
+      <p:sp>
+        <p:nvSpPr>
+          <p:cNvPr id="4" name="Date Placeholder 3"/>
           <p:cNvSpPr>
             <a:spLocks noGrp="1"/>
           </p:cNvSpPr>
@@ -466,13 +415,7 @@
       </p:sp>
       <p:sp>
         <p:nvSpPr>
-          <p:cNvPr id="5" name="Footer Placeholder 4">
-            <a:extLst>
-              <a:ext uri="{FF2B5EF4-FFF2-40B4-BE49-F238E27FC236}">
-                <a16:creationId xmlns:a16="http://schemas.microsoft.com/office/drawing/2014/main" id="{2463D155-E6C9-7C41-B814-43656FC2E955}"/>
-              </a:ext>
-            </a:extLst>
-          </p:cNvPr>
+          <p:cNvPr id="5" name="Footer Placeholder 4"/>
           <p:cNvSpPr>
             <a:spLocks noGrp="1"/>
           </p:cNvSpPr>
@@ -491,13 +434,7 @@
       </p:sp>
       <p:sp>
         <p:nvSpPr>
-          <p:cNvPr id="6" name="Slide Number Placeholder 5">
-            <a:extLst>
-              <a:ext uri="{FF2B5EF4-FFF2-40B4-BE49-F238E27FC236}">
-                <a16:creationId xmlns:a16="http://schemas.microsoft.com/office/drawing/2014/main" id="{970E087B-441D-C742-B20A-B743B9259817}"/>
-              </a:ext>
-            </a:extLst>
-          </p:cNvPr>
+          <p:cNvPr id="6" name="Slide Number Placeholder 5"/>
           <p:cNvSpPr>
             <a:spLocks noGrp="1"/>
           </p:cNvSpPr>
@@ -521,7 +458,7 @@
     </p:spTree>
     <p:extLst>
       <p:ext uri="{BB962C8B-B14F-4D97-AF65-F5344CB8AC3E}">
-        <p14:creationId xmlns:p14="http://schemas.microsoft.com/office/powerpoint/2010/main" val="1217616362"/>
+        <p14:creationId xmlns:p14="http://schemas.microsoft.com/office/powerpoint/2010/main" val="3750243231"/>
       </p:ext>
     </p:extLst>
   </p:cSld>
@@ -550,13 +487,7 @@
       </p:grpSpPr>
       <p:sp>
         <p:nvSpPr>
-          <p:cNvPr id="2" name="Vertical Title 1">
-            <a:extLst>
-              <a:ext uri="{FF2B5EF4-FFF2-40B4-BE49-F238E27FC236}">
-                <a16:creationId xmlns:a16="http://schemas.microsoft.com/office/drawing/2014/main" id="{B54911B9-96EC-1443-9FD1-365D6049DFEE}"/>
-              </a:ext>
-            </a:extLst>
-          </p:cNvPr>
+          <p:cNvPr id="2" name="Vertical Title 1"/>
           <p:cNvSpPr>
             <a:spLocks noGrp="1"/>
           </p:cNvSpPr>
@@ -566,8 +497,8 @@
         </p:nvSpPr>
         <p:spPr>
           <a:xfrm>
-            <a:off x="8724900" y="365125"/>
-            <a:ext cx="2628900" cy="5811838"/>
+            <a:off x="7747894" y="432318"/>
+            <a:ext cx="2334518" cy="6881378"/>
           </a:xfrm>
         </p:spPr>
         <p:txBody>
@@ -578,18 +509,13 @@
               <a:rPr lang="en-US"/>
               <a:t>Click to edit Master title style</a:t>
             </a:r>
-          </a:p>
-        </p:txBody>
-      </p:sp>
-      <p:sp>
-        <p:nvSpPr>
-          <p:cNvPr id="3" name="Vertical Text Placeholder 2">
-            <a:extLst>
-              <a:ext uri="{FF2B5EF4-FFF2-40B4-BE49-F238E27FC236}">
-                <a16:creationId xmlns:a16="http://schemas.microsoft.com/office/drawing/2014/main" id="{AF3F6D04-AF84-634A-B14B-09AE44D95D57}"/>
-              </a:ext>
-            </a:extLst>
-          </p:cNvPr>
+            <a:endParaRPr lang="en-US" dirty="0"/>
+          </a:p>
+        </p:txBody>
+      </p:sp>
+      <p:sp>
+        <p:nvSpPr>
+          <p:cNvPr id="3" name="Vertical Text Placeholder 2"/>
           <p:cNvSpPr>
             <a:spLocks noGrp="1"/>
           </p:cNvSpPr>
@@ -599,8 +525,8 @@
         </p:nvSpPr>
         <p:spPr>
           <a:xfrm>
-            <a:off x="838200" y="365125"/>
-            <a:ext cx="7734300" cy="5811838"/>
+            <a:off x="744339" y="432318"/>
+            <a:ext cx="6868220" cy="6881378"/>
           </a:xfrm>
         </p:spPr>
         <p:txBody>
@@ -640,18 +566,13 @@
               <a:rPr lang="en-US"/>
               <a:t>Fifth level</a:t>
             </a:r>
-          </a:p>
-        </p:txBody>
-      </p:sp>
-      <p:sp>
-        <p:nvSpPr>
-          <p:cNvPr id="4" name="Date Placeholder 3">
-            <a:extLst>
-              <a:ext uri="{FF2B5EF4-FFF2-40B4-BE49-F238E27FC236}">
-                <a16:creationId xmlns:a16="http://schemas.microsoft.com/office/drawing/2014/main" id="{3A6A5AEE-DD3F-E84A-BCC2-51A4A645C719}"/>
-              </a:ext>
-            </a:extLst>
-          </p:cNvPr>
+            <a:endParaRPr lang="en-US" dirty="0"/>
+          </a:p>
+        </p:txBody>
+      </p:sp>
+      <p:sp>
+        <p:nvSpPr>
+          <p:cNvPr id="4" name="Date Placeholder 3"/>
           <p:cNvSpPr>
             <a:spLocks noGrp="1"/>
           </p:cNvSpPr>
@@ -674,13 +595,7 @@
       </p:sp>
       <p:sp>
         <p:nvSpPr>
-          <p:cNvPr id="5" name="Footer Placeholder 4">
-            <a:extLst>
-              <a:ext uri="{FF2B5EF4-FFF2-40B4-BE49-F238E27FC236}">
-                <a16:creationId xmlns:a16="http://schemas.microsoft.com/office/drawing/2014/main" id="{AE99A23D-5812-504A-A795-97FBD01D0212}"/>
-              </a:ext>
-            </a:extLst>
-          </p:cNvPr>
+          <p:cNvPr id="5" name="Footer Placeholder 4"/>
           <p:cNvSpPr>
             <a:spLocks noGrp="1"/>
           </p:cNvSpPr>
@@ -699,13 +614,7 @@
       </p:sp>
       <p:sp>
         <p:nvSpPr>
-          <p:cNvPr id="6" name="Slide Number Placeholder 5">
-            <a:extLst>
-              <a:ext uri="{FF2B5EF4-FFF2-40B4-BE49-F238E27FC236}">
-                <a16:creationId xmlns:a16="http://schemas.microsoft.com/office/drawing/2014/main" id="{3753D5F4-53D7-654B-B3CC-482A372BAF6A}"/>
-              </a:ext>
-            </a:extLst>
-          </p:cNvPr>
+          <p:cNvPr id="6" name="Slide Number Placeholder 5"/>
           <p:cNvSpPr>
             <a:spLocks noGrp="1"/>
           </p:cNvSpPr>
@@ -729,7 +638,7 @@
     </p:spTree>
     <p:extLst>
       <p:ext uri="{BB962C8B-B14F-4D97-AF65-F5344CB8AC3E}">
-        <p14:creationId xmlns:p14="http://schemas.microsoft.com/office/powerpoint/2010/main" val="1364500467"/>
+        <p14:creationId xmlns:p14="http://schemas.microsoft.com/office/powerpoint/2010/main" val="2727507660"/>
       </p:ext>
     </p:extLst>
   </p:cSld>
@@ -758,13 +667,7 @@
       </p:grpSpPr>
       <p:sp>
         <p:nvSpPr>
-          <p:cNvPr id="2" name="Title 1">
-            <a:extLst>
-              <a:ext uri="{FF2B5EF4-FFF2-40B4-BE49-F238E27FC236}">
-                <a16:creationId xmlns:a16="http://schemas.microsoft.com/office/drawing/2014/main" id="{ADC25AA7-394F-E843-AC7F-B8C37AEFE323}"/>
-              </a:ext>
-            </a:extLst>
-          </p:cNvPr>
+          <p:cNvPr id="2" name="Title 1"/>
           <p:cNvSpPr>
             <a:spLocks noGrp="1"/>
           </p:cNvSpPr>
@@ -781,18 +684,13 @@
               <a:rPr lang="en-US"/>
               <a:t>Click to edit Master title style</a:t>
             </a:r>
-          </a:p>
-        </p:txBody>
-      </p:sp>
-      <p:sp>
-        <p:nvSpPr>
-          <p:cNvPr id="3" name="Content Placeholder 2">
-            <a:extLst>
-              <a:ext uri="{FF2B5EF4-FFF2-40B4-BE49-F238E27FC236}">
-                <a16:creationId xmlns:a16="http://schemas.microsoft.com/office/drawing/2014/main" id="{076C49A5-F7A3-6C4F-B264-E243176F3212}"/>
-              </a:ext>
-            </a:extLst>
-          </p:cNvPr>
+            <a:endParaRPr lang="en-US" dirty="0"/>
+          </a:p>
+        </p:txBody>
+      </p:sp>
+      <p:sp>
+        <p:nvSpPr>
+          <p:cNvPr id="3" name="Content Placeholder 2"/>
           <p:cNvSpPr>
             <a:spLocks noGrp="1"/>
           </p:cNvSpPr>
@@ -838,18 +736,13 @@
               <a:rPr lang="en-US"/>
               <a:t>Fifth level</a:t>
             </a:r>
-          </a:p>
-        </p:txBody>
-      </p:sp>
-      <p:sp>
-        <p:nvSpPr>
-          <p:cNvPr id="4" name="Date Placeholder 3">
-            <a:extLst>
-              <a:ext uri="{FF2B5EF4-FFF2-40B4-BE49-F238E27FC236}">
-                <a16:creationId xmlns:a16="http://schemas.microsoft.com/office/drawing/2014/main" id="{D2054B5A-70A2-D740-8E3E-5968937A6AB2}"/>
-              </a:ext>
-            </a:extLst>
-          </p:cNvPr>
+            <a:endParaRPr lang="en-US" dirty="0"/>
+          </a:p>
+        </p:txBody>
+      </p:sp>
+      <p:sp>
+        <p:nvSpPr>
+          <p:cNvPr id="4" name="Date Placeholder 3"/>
           <p:cNvSpPr>
             <a:spLocks noGrp="1"/>
           </p:cNvSpPr>
@@ -872,13 +765,7 @@
       </p:sp>
       <p:sp>
         <p:nvSpPr>
-          <p:cNvPr id="5" name="Footer Placeholder 4">
-            <a:extLst>
-              <a:ext uri="{FF2B5EF4-FFF2-40B4-BE49-F238E27FC236}">
-                <a16:creationId xmlns:a16="http://schemas.microsoft.com/office/drawing/2014/main" id="{1DC3A2CC-B62B-E143-B95B-7FC3BB7DF29C}"/>
-              </a:ext>
-            </a:extLst>
-          </p:cNvPr>
+          <p:cNvPr id="5" name="Footer Placeholder 4"/>
           <p:cNvSpPr>
             <a:spLocks noGrp="1"/>
           </p:cNvSpPr>
@@ -897,13 +784,7 @@
       </p:sp>
       <p:sp>
         <p:nvSpPr>
-          <p:cNvPr id="6" name="Slide Number Placeholder 5">
-            <a:extLst>
-              <a:ext uri="{FF2B5EF4-FFF2-40B4-BE49-F238E27FC236}">
-                <a16:creationId xmlns:a16="http://schemas.microsoft.com/office/drawing/2014/main" id="{A485DBF0-D388-B949-838A-CEA69B86774B}"/>
-              </a:ext>
-            </a:extLst>
-          </p:cNvPr>
+          <p:cNvPr id="6" name="Slide Number Placeholder 5"/>
           <p:cNvSpPr>
             <a:spLocks noGrp="1"/>
           </p:cNvSpPr>
@@ -927,7 +808,7 @@
     </p:spTree>
     <p:extLst>
       <p:ext uri="{BB962C8B-B14F-4D97-AF65-F5344CB8AC3E}">
-        <p14:creationId xmlns:p14="http://schemas.microsoft.com/office/powerpoint/2010/main" val="1772263840"/>
+        <p14:creationId xmlns:p14="http://schemas.microsoft.com/office/powerpoint/2010/main" val="3474267730"/>
       </p:ext>
     </p:extLst>
   </p:cSld>
@@ -956,13 +837,7 @@
       </p:grpSpPr>
       <p:sp>
         <p:nvSpPr>
-          <p:cNvPr id="2" name="Title 1">
-            <a:extLst>
-              <a:ext uri="{FF2B5EF4-FFF2-40B4-BE49-F238E27FC236}">
-                <a16:creationId xmlns:a16="http://schemas.microsoft.com/office/drawing/2014/main" id="{FF9268BB-EF9B-FF4B-B28B-94FE1FBD8ACE}"/>
-              </a:ext>
-            </a:extLst>
-          </p:cNvPr>
+          <p:cNvPr id="2" name="Title 1"/>
           <p:cNvSpPr>
             <a:spLocks noGrp="1"/>
           </p:cNvSpPr>
@@ -972,15 +847,15 @@
         </p:nvSpPr>
         <p:spPr>
           <a:xfrm>
-            <a:off x="831850" y="1709738"/>
-            <a:ext cx="10515600" cy="2852737"/>
+            <a:off x="738701" y="2024379"/>
+            <a:ext cx="9338072" cy="3377720"/>
           </a:xfrm>
         </p:spPr>
         <p:txBody>
           <a:bodyPr anchor="b"/>
           <a:lstStyle>
             <a:lvl1pPr>
-              <a:defRPr sz="6000"/>
+              <a:defRPr sz="7104"/>
             </a:lvl1pPr>
           </a:lstStyle>
           <a:p>
@@ -988,18 +863,13 @@
               <a:rPr lang="en-US"/>
               <a:t>Click to edit Master title style</a:t>
             </a:r>
-          </a:p>
-        </p:txBody>
-      </p:sp>
-      <p:sp>
-        <p:nvSpPr>
-          <p:cNvPr id="3" name="Text Placeholder 2">
-            <a:extLst>
-              <a:ext uri="{FF2B5EF4-FFF2-40B4-BE49-F238E27FC236}">
-                <a16:creationId xmlns:a16="http://schemas.microsoft.com/office/drawing/2014/main" id="{893E3D67-6A15-BA41-875F-0DAD27BA18D2}"/>
-              </a:ext>
-            </a:extLst>
-          </p:cNvPr>
+            <a:endParaRPr lang="en-US" dirty="0"/>
+          </a:p>
+        </p:txBody>
+      </p:sp>
+      <p:sp>
+        <p:nvSpPr>
+          <p:cNvPr id="3" name="Text Placeholder 2"/>
           <p:cNvSpPr>
             <a:spLocks noGrp="1"/>
           </p:cNvSpPr>
@@ -1009,8 +879,8 @@
         </p:nvSpPr>
         <p:spPr>
           <a:xfrm>
-            <a:off x="831850" y="4589463"/>
-            <a:ext cx="10515600" cy="1500187"/>
+            <a:off x="738701" y="5434054"/>
+            <a:ext cx="9338072" cy="1776263"/>
           </a:xfrm>
         </p:spPr>
         <p:txBody>
@@ -1018,17 +888,15 @@
           <a:lstStyle>
             <a:lvl1pPr marL="0" indent="0">
               <a:buNone/>
-              <a:defRPr sz="2400">
+              <a:defRPr sz="2842">
                 <a:solidFill>
-                  <a:schemeClr val="tx1">
-                    <a:tint val="75000"/>
-                  </a:schemeClr>
+                  <a:schemeClr val="tx1"/>
                 </a:solidFill>
               </a:defRPr>
             </a:lvl1pPr>
-            <a:lvl2pPr marL="457200" indent="0">
-              <a:buNone/>
-              <a:defRPr sz="2000">
+            <a:lvl2pPr marL="541325" indent="0">
+              <a:buNone/>
+              <a:defRPr sz="2368">
                 <a:solidFill>
                   <a:schemeClr val="tx1">
                     <a:tint val="75000"/>
@@ -1036,9 +904,9 @@
                 </a:solidFill>
               </a:defRPr>
             </a:lvl2pPr>
-            <a:lvl3pPr marL="914400" indent="0">
-              <a:buNone/>
-              <a:defRPr sz="1800">
+            <a:lvl3pPr marL="1082650" indent="0">
+              <a:buNone/>
+              <a:defRPr sz="2131">
                 <a:solidFill>
                   <a:schemeClr val="tx1">
                     <a:tint val="75000"/>
@@ -1046,9 +914,9 @@
                 </a:solidFill>
               </a:defRPr>
             </a:lvl3pPr>
-            <a:lvl4pPr marL="1371600" indent="0">
-              <a:buNone/>
-              <a:defRPr sz="1600">
+            <a:lvl4pPr marL="1623974" indent="0">
+              <a:buNone/>
+              <a:defRPr sz="1894">
                 <a:solidFill>
                   <a:schemeClr val="tx1">
                     <a:tint val="75000"/>
@@ -1056,9 +924,9 @@
                 </a:solidFill>
               </a:defRPr>
             </a:lvl4pPr>
-            <a:lvl5pPr marL="1828800" indent="0">
-              <a:buNone/>
-              <a:defRPr sz="1600">
+            <a:lvl5pPr marL="2165299" indent="0">
+              <a:buNone/>
+              <a:defRPr sz="1894">
                 <a:solidFill>
                   <a:schemeClr val="tx1">
                     <a:tint val="75000"/>
@@ -1066,9 +934,9 @@
                 </a:solidFill>
               </a:defRPr>
             </a:lvl5pPr>
-            <a:lvl6pPr marL="2286000" indent="0">
-              <a:buNone/>
-              <a:defRPr sz="1600">
+            <a:lvl6pPr marL="2706624" indent="0">
+              <a:buNone/>
+              <a:defRPr sz="1894">
                 <a:solidFill>
                   <a:schemeClr val="tx1">
                     <a:tint val="75000"/>
@@ -1076,9 +944,9 @@
                 </a:solidFill>
               </a:defRPr>
             </a:lvl6pPr>
-            <a:lvl7pPr marL="2743200" indent="0">
-              <a:buNone/>
-              <a:defRPr sz="1600">
+            <a:lvl7pPr marL="3247949" indent="0">
+              <a:buNone/>
+              <a:defRPr sz="1894">
                 <a:solidFill>
                   <a:schemeClr val="tx1">
                     <a:tint val="75000"/>
@@ -1086,9 +954,9 @@
                 </a:solidFill>
               </a:defRPr>
             </a:lvl7pPr>
-            <a:lvl8pPr marL="3200400" indent="0">
-              <a:buNone/>
-              <a:defRPr sz="1600">
+            <a:lvl8pPr marL="3789274" indent="0">
+              <a:buNone/>
+              <a:defRPr sz="1894">
                 <a:solidFill>
                   <a:schemeClr val="tx1">
                     <a:tint val="75000"/>
@@ -1096,9 +964,9 @@
                 </a:solidFill>
               </a:defRPr>
             </a:lvl8pPr>
-            <a:lvl9pPr marL="3657600" indent="0">
-              <a:buNone/>
-              <a:defRPr sz="1600">
+            <a:lvl9pPr marL="4330598" indent="0">
+              <a:buNone/>
+              <a:defRPr sz="1894">
                 <a:solidFill>
                   <a:schemeClr val="tx1">
                     <a:tint val="75000"/>
@@ -1118,13 +986,7 @@
       </p:sp>
       <p:sp>
         <p:nvSpPr>
-          <p:cNvPr id="4" name="Date Placeholder 3">
-            <a:extLst>
-              <a:ext uri="{FF2B5EF4-FFF2-40B4-BE49-F238E27FC236}">
-                <a16:creationId xmlns:a16="http://schemas.microsoft.com/office/drawing/2014/main" id="{4F5248A7-3CA4-1443-BD17-841145D20D62}"/>
-              </a:ext>
-            </a:extLst>
-          </p:cNvPr>
+          <p:cNvPr id="4" name="Date Placeholder 3"/>
           <p:cNvSpPr>
             <a:spLocks noGrp="1"/>
           </p:cNvSpPr>
@@ -1147,13 +1009,7 @@
       </p:sp>
       <p:sp>
         <p:nvSpPr>
-          <p:cNvPr id="5" name="Footer Placeholder 4">
-            <a:extLst>
-              <a:ext uri="{FF2B5EF4-FFF2-40B4-BE49-F238E27FC236}">
-                <a16:creationId xmlns:a16="http://schemas.microsoft.com/office/drawing/2014/main" id="{3B0BC4B2-A921-AF46-9AE6-4B9FCBDB55DE}"/>
-              </a:ext>
-            </a:extLst>
-          </p:cNvPr>
+          <p:cNvPr id="5" name="Footer Placeholder 4"/>
           <p:cNvSpPr>
             <a:spLocks noGrp="1"/>
           </p:cNvSpPr>
@@ -1172,13 +1028,7 @@
       </p:sp>
       <p:sp>
         <p:nvSpPr>
-          <p:cNvPr id="6" name="Slide Number Placeholder 5">
-            <a:extLst>
-              <a:ext uri="{FF2B5EF4-FFF2-40B4-BE49-F238E27FC236}">
-                <a16:creationId xmlns:a16="http://schemas.microsoft.com/office/drawing/2014/main" id="{F711ED50-E9CF-FD4D-859B-7EBB9FB8FF3D}"/>
-              </a:ext>
-            </a:extLst>
-          </p:cNvPr>
+          <p:cNvPr id="6" name="Slide Number Placeholder 5"/>
           <p:cNvSpPr>
             <a:spLocks noGrp="1"/>
           </p:cNvSpPr>
@@ -1202,7 +1052,7 @@
     </p:spTree>
     <p:extLst>
       <p:ext uri="{BB962C8B-B14F-4D97-AF65-F5344CB8AC3E}">
-        <p14:creationId xmlns:p14="http://schemas.microsoft.com/office/powerpoint/2010/main" val="3240009803"/>
+        <p14:creationId xmlns:p14="http://schemas.microsoft.com/office/powerpoint/2010/main" val="4069342860"/>
       </p:ext>
     </p:extLst>
   </p:cSld>
@@ -1231,13 +1081,7 @@
       </p:grpSpPr>
       <p:sp>
         <p:nvSpPr>
-          <p:cNvPr id="2" name="Title 1">
-            <a:extLst>
-              <a:ext uri="{FF2B5EF4-FFF2-40B4-BE49-F238E27FC236}">
-                <a16:creationId xmlns:a16="http://schemas.microsoft.com/office/drawing/2014/main" id="{6FF0DB95-CC1A-5C4B-BA3A-7DB34F03DC53}"/>
-              </a:ext>
-            </a:extLst>
-          </p:cNvPr>
+          <p:cNvPr id="2" name="Title 1"/>
           <p:cNvSpPr>
             <a:spLocks noGrp="1"/>
           </p:cNvSpPr>
@@ -1254,18 +1098,13 @@
               <a:rPr lang="en-US"/>
               <a:t>Click to edit Master title style</a:t>
             </a:r>
-          </a:p>
-        </p:txBody>
-      </p:sp>
-      <p:sp>
-        <p:nvSpPr>
-          <p:cNvPr id="3" name="Content Placeholder 2">
-            <a:extLst>
-              <a:ext uri="{FF2B5EF4-FFF2-40B4-BE49-F238E27FC236}">
-                <a16:creationId xmlns:a16="http://schemas.microsoft.com/office/drawing/2014/main" id="{CE10DDDF-879C-AB4C-BE5A-7616DB65E658}"/>
-              </a:ext>
-            </a:extLst>
-          </p:cNvPr>
+            <a:endParaRPr lang="en-US" dirty="0"/>
+          </a:p>
+        </p:txBody>
+      </p:sp>
+      <p:sp>
+        <p:nvSpPr>
+          <p:cNvPr id="3" name="Content Placeholder 2"/>
           <p:cNvSpPr>
             <a:spLocks noGrp="1"/>
           </p:cNvSpPr>
@@ -1275,8 +1114,8 @@
         </p:nvSpPr>
         <p:spPr>
           <a:xfrm>
-            <a:off x="838200" y="1825625"/>
-            <a:ext cx="5181600" cy="4351338"/>
+            <a:off x="744339" y="2161591"/>
+            <a:ext cx="4601369" cy="5152105"/>
           </a:xfrm>
         </p:spPr>
         <p:txBody>
@@ -1316,18 +1155,13 @@
               <a:rPr lang="en-US"/>
               <a:t>Fifth level</a:t>
             </a:r>
-          </a:p>
-        </p:txBody>
-      </p:sp>
-      <p:sp>
-        <p:nvSpPr>
-          <p:cNvPr id="4" name="Content Placeholder 3">
-            <a:extLst>
-              <a:ext uri="{FF2B5EF4-FFF2-40B4-BE49-F238E27FC236}">
-                <a16:creationId xmlns:a16="http://schemas.microsoft.com/office/drawing/2014/main" id="{57EE667B-7C0A-4345-833D-1FCCADD57A6F}"/>
-              </a:ext>
-            </a:extLst>
-          </p:cNvPr>
+            <a:endParaRPr lang="en-US" dirty="0"/>
+          </a:p>
+        </p:txBody>
+      </p:sp>
+      <p:sp>
+        <p:nvSpPr>
+          <p:cNvPr id="4" name="Content Placeholder 3"/>
           <p:cNvSpPr>
             <a:spLocks noGrp="1"/>
           </p:cNvSpPr>
@@ -1337,8 +1171,8 @@
         </p:nvSpPr>
         <p:spPr>
           <a:xfrm>
-            <a:off x="6172200" y="1825625"/>
-            <a:ext cx="5181600" cy="4351338"/>
+            <a:off x="5481042" y="2161591"/>
+            <a:ext cx="4601369" cy="5152105"/>
           </a:xfrm>
         </p:spPr>
         <p:txBody>
@@ -1378,18 +1212,13 @@
               <a:rPr lang="en-US"/>
               <a:t>Fifth level</a:t>
             </a:r>
-          </a:p>
-        </p:txBody>
-      </p:sp>
-      <p:sp>
-        <p:nvSpPr>
-          <p:cNvPr id="5" name="Date Placeholder 4">
-            <a:extLst>
-              <a:ext uri="{FF2B5EF4-FFF2-40B4-BE49-F238E27FC236}">
-                <a16:creationId xmlns:a16="http://schemas.microsoft.com/office/drawing/2014/main" id="{8A7DFE63-B94B-174A-9C2A-82C54F5FF616}"/>
-              </a:ext>
-            </a:extLst>
-          </p:cNvPr>
+            <a:endParaRPr lang="en-US" dirty="0"/>
+          </a:p>
+        </p:txBody>
+      </p:sp>
+      <p:sp>
+        <p:nvSpPr>
+          <p:cNvPr id="5" name="Date Placeholder 4"/>
           <p:cNvSpPr>
             <a:spLocks noGrp="1"/>
           </p:cNvSpPr>
@@ -1412,13 +1241,7 @@
       </p:sp>
       <p:sp>
         <p:nvSpPr>
-          <p:cNvPr id="6" name="Footer Placeholder 5">
-            <a:extLst>
-              <a:ext uri="{FF2B5EF4-FFF2-40B4-BE49-F238E27FC236}">
-                <a16:creationId xmlns:a16="http://schemas.microsoft.com/office/drawing/2014/main" id="{162E6372-20EA-7142-9CE7-CA5DF3B0B18A}"/>
-              </a:ext>
-            </a:extLst>
-          </p:cNvPr>
+          <p:cNvPr id="6" name="Footer Placeholder 5"/>
           <p:cNvSpPr>
             <a:spLocks noGrp="1"/>
           </p:cNvSpPr>
@@ -1437,13 +1260,7 @@
       </p:sp>
       <p:sp>
         <p:nvSpPr>
-          <p:cNvPr id="7" name="Slide Number Placeholder 6">
-            <a:extLst>
-              <a:ext uri="{FF2B5EF4-FFF2-40B4-BE49-F238E27FC236}">
-                <a16:creationId xmlns:a16="http://schemas.microsoft.com/office/drawing/2014/main" id="{3A2FF5ED-EB1F-C24F-BD6F-09BCFE0CC74D}"/>
-              </a:ext>
-            </a:extLst>
-          </p:cNvPr>
+          <p:cNvPr id="7" name="Slide Number Placeholder 6"/>
           <p:cNvSpPr>
             <a:spLocks noGrp="1"/>
           </p:cNvSpPr>
@@ -1467,7 +1284,7 @@
     </p:spTree>
     <p:extLst>
       <p:ext uri="{BB962C8B-B14F-4D97-AF65-F5344CB8AC3E}">
-        <p14:creationId xmlns:p14="http://schemas.microsoft.com/office/powerpoint/2010/main" val="1549185070"/>
+        <p14:creationId xmlns:p14="http://schemas.microsoft.com/office/powerpoint/2010/main" val="2719876253"/>
       </p:ext>
     </p:extLst>
   </p:cSld>
@@ -1496,13 +1313,7 @@
       </p:grpSpPr>
       <p:sp>
         <p:nvSpPr>
-          <p:cNvPr id="2" name="Title 1">
-            <a:extLst>
-              <a:ext uri="{FF2B5EF4-FFF2-40B4-BE49-F238E27FC236}">
-                <a16:creationId xmlns:a16="http://schemas.microsoft.com/office/drawing/2014/main" id="{0FF2FB73-B79D-CD41-9911-3F845AAAEC15}"/>
-              </a:ext>
-            </a:extLst>
-          </p:cNvPr>
+          <p:cNvPr id="2" name="Title 1"/>
           <p:cNvSpPr>
             <a:spLocks noGrp="1"/>
           </p:cNvSpPr>
@@ -1512,8 +1323,8 @@
         </p:nvSpPr>
         <p:spPr>
           <a:xfrm>
-            <a:off x="839788" y="365125"/>
-            <a:ext cx="10515600" cy="1325563"/>
+            <a:off x="745749" y="432320"/>
+            <a:ext cx="9338072" cy="1569504"/>
           </a:xfrm>
         </p:spPr>
         <p:txBody>
@@ -1524,18 +1335,13 @@
               <a:rPr lang="en-US"/>
               <a:t>Click to edit Master title style</a:t>
             </a:r>
-          </a:p>
-        </p:txBody>
-      </p:sp>
-      <p:sp>
-        <p:nvSpPr>
-          <p:cNvPr id="3" name="Text Placeholder 2">
-            <a:extLst>
-              <a:ext uri="{FF2B5EF4-FFF2-40B4-BE49-F238E27FC236}">
-                <a16:creationId xmlns:a16="http://schemas.microsoft.com/office/drawing/2014/main" id="{F4B64015-F4D2-454E-86B3-447598C0FC18}"/>
-              </a:ext>
-            </a:extLst>
-          </p:cNvPr>
+            <a:endParaRPr lang="en-US" dirty="0"/>
+          </a:p>
+        </p:txBody>
+      </p:sp>
+      <p:sp>
+        <p:nvSpPr>
+          <p:cNvPr id="3" name="Text Placeholder 2"/>
           <p:cNvSpPr>
             <a:spLocks noGrp="1"/>
           </p:cNvSpPr>
@@ -1545,8 +1351,8 @@
         </p:nvSpPr>
         <p:spPr>
           <a:xfrm>
-            <a:off x="839788" y="1681163"/>
-            <a:ext cx="5157787" cy="823912"/>
+            <a:off x="745750" y="1990544"/>
+            <a:ext cx="4580222" cy="975535"/>
           </a:xfrm>
         </p:spPr>
         <p:txBody>
@@ -1554,39 +1360,39 @@
           <a:lstStyle>
             <a:lvl1pPr marL="0" indent="0">
               <a:buNone/>
-              <a:defRPr sz="2400" b="1"/>
+              <a:defRPr sz="2842" b="1"/>
             </a:lvl1pPr>
-            <a:lvl2pPr marL="457200" indent="0">
-              <a:buNone/>
-              <a:defRPr sz="2000" b="1"/>
+            <a:lvl2pPr marL="541325" indent="0">
+              <a:buNone/>
+              <a:defRPr sz="2368" b="1"/>
             </a:lvl2pPr>
-            <a:lvl3pPr marL="914400" indent="0">
-              <a:buNone/>
-              <a:defRPr sz="1800" b="1"/>
+            <a:lvl3pPr marL="1082650" indent="0">
+              <a:buNone/>
+              <a:defRPr sz="2131" b="1"/>
             </a:lvl3pPr>
-            <a:lvl4pPr marL="1371600" indent="0">
-              <a:buNone/>
-              <a:defRPr sz="1600" b="1"/>
+            <a:lvl4pPr marL="1623974" indent="0">
+              <a:buNone/>
+              <a:defRPr sz="1894" b="1"/>
             </a:lvl4pPr>
-            <a:lvl5pPr marL="1828800" indent="0">
-              <a:buNone/>
-              <a:defRPr sz="1600" b="1"/>
+            <a:lvl5pPr marL="2165299" indent="0">
+              <a:buNone/>
+              <a:defRPr sz="1894" b="1"/>
             </a:lvl5pPr>
-            <a:lvl6pPr marL="2286000" indent="0">
-              <a:buNone/>
-              <a:defRPr sz="1600" b="1"/>
+            <a:lvl6pPr marL="2706624" indent="0">
+              <a:buNone/>
+              <a:defRPr sz="1894" b="1"/>
             </a:lvl6pPr>
-            <a:lvl7pPr marL="2743200" indent="0">
-              <a:buNone/>
-              <a:defRPr sz="1600" b="1"/>
+            <a:lvl7pPr marL="3247949" indent="0">
+              <a:buNone/>
+              <a:defRPr sz="1894" b="1"/>
             </a:lvl7pPr>
-            <a:lvl8pPr marL="3200400" indent="0">
-              <a:buNone/>
-              <a:defRPr sz="1600" b="1"/>
+            <a:lvl8pPr marL="3789274" indent="0">
+              <a:buNone/>
+              <a:defRPr sz="1894" b="1"/>
             </a:lvl8pPr>
-            <a:lvl9pPr marL="3657600" indent="0">
-              <a:buNone/>
-              <a:defRPr sz="1600" b="1"/>
+            <a:lvl9pPr marL="4330598" indent="0">
+              <a:buNone/>
+              <a:defRPr sz="1894" b="1"/>
             </a:lvl9pPr>
           </a:lstStyle>
           <a:p>
@@ -1600,13 +1406,7 @@
       </p:sp>
       <p:sp>
         <p:nvSpPr>
-          <p:cNvPr id="4" name="Content Placeholder 3">
-            <a:extLst>
-              <a:ext uri="{FF2B5EF4-FFF2-40B4-BE49-F238E27FC236}">
-                <a16:creationId xmlns:a16="http://schemas.microsoft.com/office/drawing/2014/main" id="{B26639B4-950F-E141-AE9C-60E1EF9A5A32}"/>
-              </a:ext>
-            </a:extLst>
-          </p:cNvPr>
+          <p:cNvPr id="4" name="Content Placeholder 3"/>
           <p:cNvSpPr>
             <a:spLocks noGrp="1"/>
           </p:cNvSpPr>
@@ -1616,8 +1416,8 @@
         </p:nvSpPr>
         <p:spPr>
           <a:xfrm>
-            <a:off x="839788" y="2505075"/>
-            <a:ext cx="5157787" cy="3684588"/>
+            <a:off x="745750" y="2966078"/>
+            <a:ext cx="4580222" cy="4362655"/>
           </a:xfrm>
         </p:spPr>
         <p:txBody>
@@ -1657,18 +1457,13 @@
               <a:rPr lang="en-US"/>
               <a:t>Fifth level</a:t>
             </a:r>
-          </a:p>
-        </p:txBody>
-      </p:sp>
-      <p:sp>
-        <p:nvSpPr>
-          <p:cNvPr id="5" name="Text Placeholder 4">
-            <a:extLst>
-              <a:ext uri="{FF2B5EF4-FFF2-40B4-BE49-F238E27FC236}">
-                <a16:creationId xmlns:a16="http://schemas.microsoft.com/office/drawing/2014/main" id="{150C7DD5-CB27-3040-94F9-16FAA716CE29}"/>
-              </a:ext>
-            </a:extLst>
-          </p:cNvPr>
+            <a:endParaRPr lang="en-US" dirty="0"/>
+          </a:p>
+        </p:txBody>
+      </p:sp>
+      <p:sp>
+        <p:nvSpPr>
+          <p:cNvPr id="5" name="Text Placeholder 4"/>
           <p:cNvSpPr>
             <a:spLocks noGrp="1"/>
           </p:cNvSpPr>
@@ -1678,8 +1473,8 @@
         </p:nvSpPr>
         <p:spPr>
           <a:xfrm>
-            <a:off x="6172200" y="1681163"/>
-            <a:ext cx="5183188" cy="823912"/>
+            <a:off x="5481043" y="1990544"/>
+            <a:ext cx="4602779" cy="975535"/>
           </a:xfrm>
         </p:spPr>
         <p:txBody>
@@ -1687,39 +1482,39 @@
           <a:lstStyle>
             <a:lvl1pPr marL="0" indent="0">
               <a:buNone/>
-              <a:defRPr sz="2400" b="1"/>
+              <a:defRPr sz="2842" b="1"/>
             </a:lvl1pPr>
-            <a:lvl2pPr marL="457200" indent="0">
-              <a:buNone/>
-              <a:defRPr sz="2000" b="1"/>
+            <a:lvl2pPr marL="541325" indent="0">
+              <a:buNone/>
+              <a:defRPr sz="2368" b="1"/>
             </a:lvl2pPr>
-            <a:lvl3pPr marL="914400" indent="0">
-              <a:buNone/>
-              <a:defRPr sz="1800" b="1"/>
+            <a:lvl3pPr marL="1082650" indent="0">
+              <a:buNone/>
+              <a:defRPr sz="2131" b="1"/>
             </a:lvl3pPr>
-            <a:lvl4pPr marL="1371600" indent="0">
-              <a:buNone/>
-              <a:defRPr sz="1600" b="1"/>
+            <a:lvl4pPr marL="1623974" indent="0">
+              <a:buNone/>
+              <a:defRPr sz="1894" b="1"/>
             </a:lvl4pPr>
-            <a:lvl5pPr marL="1828800" indent="0">
-              <a:buNone/>
-              <a:defRPr sz="1600" b="1"/>
+            <a:lvl5pPr marL="2165299" indent="0">
+              <a:buNone/>
+              <a:defRPr sz="1894" b="1"/>
             </a:lvl5pPr>
-            <a:lvl6pPr marL="2286000" indent="0">
-              <a:buNone/>
-              <a:defRPr sz="1600" b="1"/>
+            <a:lvl6pPr marL="2706624" indent="0">
+              <a:buNone/>
+              <a:defRPr sz="1894" b="1"/>
             </a:lvl6pPr>
-            <a:lvl7pPr marL="2743200" indent="0">
-              <a:buNone/>
-              <a:defRPr sz="1600" b="1"/>
+            <a:lvl7pPr marL="3247949" indent="0">
+              <a:buNone/>
+              <a:defRPr sz="1894" b="1"/>
             </a:lvl7pPr>
-            <a:lvl8pPr marL="3200400" indent="0">
-              <a:buNone/>
-              <a:defRPr sz="1600" b="1"/>
+            <a:lvl8pPr marL="3789274" indent="0">
+              <a:buNone/>
+              <a:defRPr sz="1894" b="1"/>
             </a:lvl8pPr>
-            <a:lvl9pPr marL="3657600" indent="0">
-              <a:buNone/>
-              <a:defRPr sz="1600" b="1"/>
+            <a:lvl9pPr marL="4330598" indent="0">
+              <a:buNone/>
+              <a:defRPr sz="1894" b="1"/>
             </a:lvl9pPr>
           </a:lstStyle>
           <a:p>
@@ -1733,13 +1528,7 @@
       </p:sp>
       <p:sp>
         <p:nvSpPr>
-          <p:cNvPr id="6" name="Content Placeholder 5">
-            <a:extLst>
-              <a:ext uri="{FF2B5EF4-FFF2-40B4-BE49-F238E27FC236}">
-                <a16:creationId xmlns:a16="http://schemas.microsoft.com/office/drawing/2014/main" id="{3B7F57FF-F85C-C14E-8337-B37A848E66A7}"/>
-              </a:ext>
-            </a:extLst>
-          </p:cNvPr>
+          <p:cNvPr id="6" name="Content Placeholder 5"/>
           <p:cNvSpPr>
             <a:spLocks noGrp="1"/>
           </p:cNvSpPr>
@@ -1749,8 +1538,8 @@
         </p:nvSpPr>
         <p:spPr>
           <a:xfrm>
-            <a:off x="6172200" y="2505075"/>
-            <a:ext cx="5183188" cy="3684588"/>
+            <a:off x="5481043" y="2966078"/>
+            <a:ext cx="4602779" cy="4362655"/>
           </a:xfrm>
         </p:spPr>
         <p:txBody>
@@ -1790,18 +1579,13 @@
               <a:rPr lang="en-US"/>
               <a:t>Fifth level</a:t>
             </a:r>
-          </a:p>
-        </p:txBody>
-      </p:sp>
-      <p:sp>
-        <p:nvSpPr>
-          <p:cNvPr id="7" name="Date Placeholder 6">
-            <a:extLst>
-              <a:ext uri="{FF2B5EF4-FFF2-40B4-BE49-F238E27FC236}">
-                <a16:creationId xmlns:a16="http://schemas.microsoft.com/office/drawing/2014/main" id="{AE1480FE-E87E-1543-97B8-E537604237C4}"/>
-              </a:ext>
-            </a:extLst>
-          </p:cNvPr>
+            <a:endParaRPr lang="en-US" dirty="0"/>
+          </a:p>
+        </p:txBody>
+      </p:sp>
+      <p:sp>
+        <p:nvSpPr>
+          <p:cNvPr id="7" name="Date Placeholder 6"/>
           <p:cNvSpPr>
             <a:spLocks noGrp="1"/>
           </p:cNvSpPr>
@@ -1824,13 +1608,7 @@
       </p:sp>
       <p:sp>
         <p:nvSpPr>
-          <p:cNvPr id="8" name="Footer Placeholder 7">
-            <a:extLst>
-              <a:ext uri="{FF2B5EF4-FFF2-40B4-BE49-F238E27FC236}">
-                <a16:creationId xmlns:a16="http://schemas.microsoft.com/office/drawing/2014/main" id="{0CBE06EB-166E-154C-B557-4B9C3FA81625}"/>
-              </a:ext>
-            </a:extLst>
-          </p:cNvPr>
+          <p:cNvPr id="8" name="Footer Placeholder 7"/>
           <p:cNvSpPr>
             <a:spLocks noGrp="1"/>
           </p:cNvSpPr>
@@ -1849,13 +1627,7 @@
       </p:sp>
       <p:sp>
         <p:nvSpPr>
-          <p:cNvPr id="9" name="Slide Number Placeholder 8">
-            <a:extLst>
-              <a:ext uri="{FF2B5EF4-FFF2-40B4-BE49-F238E27FC236}">
-                <a16:creationId xmlns:a16="http://schemas.microsoft.com/office/drawing/2014/main" id="{0ECE839E-A3B4-4F45-A91F-21C7A9653344}"/>
-              </a:ext>
-            </a:extLst>
-          </p:cNvPr>
+          <p:cNvPr id="9" name="Slide Number Placeholder 8"/>
           <p:cNvSpPr>
             <a:spLocks noGrp="1"/>
           </p:cNvSpPr>
@@ -1879,7 +1651,7 @@
     </p:spTree>
     <p:extLst>
       <p:ext uri="{BB962C8B-B14F-4D97-AF65-F5344CB8AC3E}">
-        <p14:creationId xmlns:p14="http://schemas.microsoft.com/office/powerpoint/2010/main" val="2545994029"/>
+        <p14:creationId xmlns:p14="http://schemas.microsoft.com/office/powerpoint/2010/main" val="1679718323"/>
       </p:ext>
     </p:extLst>
   </p:cSld>
@@ -1908,13 +1680,7 @@
       </p:grpSpPr>
       <p:sp>
         <p:nvSpPr>
-          <p:cNvPr id="2" name="Title 1">
-            <a:extLst>
-              <a:ext uri="{FF2B5EF4-FFF2-40B4-BE49-F238E27FC236}">
-                <a16:creationId xmlns:a16="http://schemas.microsoft.com/office/drawing/2014/main" id="{AB6B5A9F-2755-B441-A83D-39687CCD4C26}"/>
-              </a:ext>
-            </a:extLst>
-          </p:cNvPr>
+          <p:cNvPr id="2" name="Title 1"/>
           <p:cNvSpPr>
             <a:spLocks noGrp="1"/>
           </p:cNvSpPr>
@@ -1931,18 +1697,13 @@
               <a:rPr lang="en-US"/>
               <a:t>Click to edit Master title style</a:t>
             </a:r>
-          </a:p>
-        </p:txBody>
-      </p:sp>
-      <p:sp>
-        <p:nvSpPr>
-          <p:cNvPr id="3" name="Date Placeholder 2">
-            <a:extLst>
-              <a:ext uri="{FF2B5EF4-FFF2-40B4-BE49-F238E27FC236}">
-                <a16:creationId xmlns:a16="http://schemas.microsoft.com/office/drawing/2014/main" id="{88758041-1595-C145-9114-7A31F7A2A2FB}"/>
-              </a:ext>
-            </a:extLst>
-          </p:cNvPr>
+            <a:endParaRPr lang="en-US" dirty="0"/>
+          </a:p>
+        </p:txBody>
+      </p:sp>
+      <p:sp>
+        <p:nvSpPr>
+          <p:cNvPr id="3" name="Date Placeholder 2"/>
           <p:cNvSpPr>
             <a:spLocks noGrp="1"/>
           </p:cNvSpPr>
@@ -1965,13 +1726,7 @@
       </p:sp>
       <p:sp>
         <p:nvSpPr>
-          <p:cNvPr id="4" name="Footer Placeholder 3">
-            <a:extLst>
-              <a:ext uri="{FF2B5EF4-FFF2-40B4-BE49-F238E27FC236}">
-                <a16:creationId xmlns:a16="http://schemas.microsoft.com/office/drawing/2014/main" id="{9A403F3D-3699-2F4F-A6A4-8CDABBF298A8}"/>
-              </a:ext>
-            </a:extLst>
-          </p:cNvPr>
+          <p:cNvPr id="4" name="Footer Placeholder 3"/>
           <p:cNvSpPr>
             <a:spLocks noGrp="1"/>
           </p:cNvSpPr>
@@ -1990,13 +1745,7 @@
       </p:sp>
       <p:sp>
         <p:nvSpPr>
-          <p:cNvPr id="5" name="Slide Number Placeholder 4">
-            <a:extLst>
-              <a:ext uri="{FF2B5EF4-FFF2-40B4-BE49-F238E27FC236}">
-                <a16:creationId xmlns:a16="http://schemas.microsoft.com/office/drawing/2014/main" id="{1D74F563-7F01-5F41-910B-45D2F4EAC420}"/>
-              </a:ext>
-            </a:extLst>
-          </p:cNvPr>
+          <p:cNvPr id="5" name="Slide Number Placeholder 4"/>
           <p:cNvSpPr>
             <a:spLocks noGrp="1"/>
           </p:cNvSpPr>
@@ -2020,7 +1769,7 @@
     </p:spTree>
     <p:extLst>
       <p:ext uri="{BB962C8B-B14F-4D97-AF65-F5344CB8AC3E}">
-        <p14:creationId xmlns:p14="http://schemas.microsoft.com/office/powerpoint/2010/main" val="752363988"/>
+        <p14:creationId xmlns:p14="http://schemas.microsoft.com/office/powerpoint/2010/main" val="57172689"/>
       </p:ext>
     </p:extLst>
   </p:cSld>
@@ -2049,13 +1798,7 @@
       </p:grpSpPr>
       <p:sp>
         <p:nvSpPr>
-          <p:cNvPr id="2" name="Date Placeholder 1">
-            <a:extLst>
-              <a:ext uri="{FF2B5EF4-FFF2-40B4-BE49-F238E27FC236}">
-                <a16:creationId xmlns:a16="http://schemas.microsoft.com/office/drawing/2014/main" id="{8C8F4AA3-9C11-CC47-B3FE-217B311CE435}"/>
-              </a:ext>
-            </a:extLst>
-          </p:cNvPr>
+          <p:cNvPr id="2" name="Date Placeholder 1"/>
           <p:cNvSpPr>
             <a:spLocks noGrp="1"/>
           </p:cNvSpPr>
@@ -2078,13 +1821,7 @@
       </p:sp>
       <p:sp>
         <p:nvSpPr>
-          <p:cNvPr id="3" name="Footer Placeholder 2">
-            <a:extLst>
-              <a:ext uri="{FF2B5EF4-FFF2-40B4-BE49-F238E27FC236}">
-                <a16:creationId xmlns:a16="http://schemas.microsoft.com/office/drawing/2014/main" id="{F65C2F45-3534-3A4E-8D84-D4CBB89E6C56}"/>
-              </a:ext>
-            </a:extLst>
-          </p:cNvPr>
+          <p:cNvPr id="3" name="Footer Placeholder 2"/>
           <p:cNvSpPr>
             <a:spLocks noGrp="1"/>
           </p:cNvSpPr>
@@ -2103,13 +1840,7 @@
       </p:sp>
       <p:sp>
         <p:nvSpPr>
-          <p:cNvPr id="4" name="Slide Number Placeholder 3">
-            <a:extLst>
-              <a:ext uri="{FF2B5EF4-FFF2-40B4-BE49-F238E27FC236}">
-                <a16:creationId xmlns:a16="http://schemas.microsoft.com/office/drawing/2014/main" id="{98CBC104-AAD4-E843-88BC-C348F4102542}"/>
-              </a:ext>
-            </a:extLst>
-          </p:cNvPr>
+          <p:cNvPr id="4" name="Slide Number Placeholder 3"/>
           <p:cNvSpPr>
             <a:spLocks noGrp="1"/>
           </p:cNvSpPr>
@@ -2133,7 +1864,7 @@
     </p:spTree>
     <p:extLst>
       <p:ext uri="{BB962C8B-B14F-4D97-AF65-F5344CB8AC3E}">
-        <p14:creationId xmlns:p14="http://schemas.microsoft.com/office/powerpoint/2010/main" val="1946802928"/>
+        <p14:creationId xmlns:p14="http://schemas.microsoft.com/office/powerpoint/2010/main" val="4255012497"/>
       </p:ext>
     </p:extLst>
   </p:cSld>
@@ -2162,13 +1893,7 @@
       </p:grpSpPr>
       <p:sp>
         <p:nvSpPr>
-          <p:cNvPr id="2" name="Title 1">
-            <a:extLst>
-              <a:ext uri="{FF2B5EF4-FFF2-40B4-BE49-F238E27FC236}">
-                <a16:creationId xmlns:a16="http://schemas.microsoft.com/office/drawing/2014/main" id="{2F7B7C24-6DB6-604C-8ACD-18FEA34AEA40}"/>
-              </a:ext>
-            </a:extLst>
-          </p:cNvPr>
+          <p:cNvPr id="2" name="Title 1"/>
           <p:cNvSpPr>
             <a:spLocks noGrp="1"/>
           </p:cNvSpPr>
@@ -2178,15 +1903,15 @@
         </p:nvSpPr>
         <p:spPr>
           <a:xfrm>
-            <a:off x="839788" y="457200"/>
-            <a:ext cx="3932237" cy="1600200"/>
+            <a:off x="745749" y="541338"/>
+            <a:ext cx="3491909" cy="1894681"/>
           </a:xfrm>
         </p:spPr>
         <p:txBody>
           <a:bodyPr anchor="b"/>
           <a:lstStyle>
             <a:lvl1pPr>
-              <a:defRPr sz="3200"/>
+              <a:defRPr sz="3789"/>
             </a:lvl1pPr>
           </a:lstStyle>
           <a:p>
@@ -2194,18 +1919,13 @@
               <a:rPr lang="en-US"/>
               <a:t>Click to edit Master title style</a:t>
             </a:r>
-          </a:p>
-        </p:txBody>
-      </p:sp>
-      <p:sp>
-        <p:nvSpPr>
-          <p:cNvPr id="3" name="Content Placeholder 2">
-            <a:extLst>
-              <a:ext uri="{FF2B5EF4-FFF2-40B4-BE49-F238E27FC236}">
-                <a16:creationId xmlns:a16="http://schemas.microsoft.com/office/drawing/2014/main" id="{1A9FCB7F-B535-D74D-BBEA-A6EA4CE201B3}"/>
-              </a:ext>
-            </a:extLst>
-          </p:cNvPr>
+            <a:endParaRPr lang="en-US" dirty="0"/>
+          </a:p>
+        </p:txBody>
+      </p:sp>
+      <p:sp>
+        <p:nvSpPr>
+          <p:cNvPr id="3" name="Content Placeholder 2"/>
           <p:cNvSpPr>
             <a:spLocks noGrp="1"/>
           </p:cNvSpPr>
@@ -2215,39 +1935,39 @@
         </p:nvSpPr>
         <p:spPr>
           <a:xfrm>
-            <a:off x="5183188" y="987425"/>
-            <a:ext cx="6172200" cy="4873625"/>
+            <a:off x="4602779" y="1169140"/>
+            <a:ext cx="5481042" cy="5770508"/>
           </a:xfrm>
         </p:spPr>
         <p:txBody>
           <a:bodyPr/>
           <a:lstStyle>
             <a:lvl1pPr>
-              <a:defRPr sz="3200"/>
+              <a:defRPr sz="3789"/>
             </a:lvl1pPr>
             <a:lvl2pPr>
-              <a:defRPr sz="2800"/>
+              <a:defRPr sz="3315"/>
             </a:lvl2pPr>
             <a:lvl3pPr>
-              <a:defRPr sz="2400"/>
+              <a:defRPr sz="2842"/>
             </a:lvl3pPr>
             <a:lvl4pPr>
-              <a:defRPr sz="2000"/>
+              <a:defRPr sz="2368"/>
             </a:lvl4pPr>
             <a:lvl5pPr>
-              <a:defRPr sz="2000"/>
+              <a:defRPr sz="2368"/>
             </a:lvl5pPr>
             <a:lvl6pPr>
-              <a:defRPr sz="2000"/>
+              <a:defRPr sz="2368"/>
             </a:lvl6pPr>
             <a:lvl7pPr>
-              <a:defRPr sz="2000"/>
+              <a:defRPr sz="2368"/>
             </a:lvl7pPr>
             <a:lvl8pPr>
-              <a:defRPr sz="2000"/>
+              <a:defRPr sz="2368"/>
             </a:lvl8pPr>
             <a:lvl9pPr>
-              <a:defRPr sz="2000"/>
+              <a:defRPr sz="2368"/>
             </a:lvl9pPr>
           </a:lstStyle>
           <a:p>
@@ -2284,18 +2004,13 @@
               <a:rPr lang="en-US"/>
               <a:t>Fifth level</a:t>
             </a:r>
-          </a:p>
-        </p:txBody>
-      </p:sp>
-      <p:sp>
-        <p:nvSpPr>
-          <p:cNvPr id="4" name="Text Placeholder 3">
-            <a:extLst>
-              <a:ext uri="{FF2B5EF4-FFF2-40B4-BE49-F238E27FC236}">
-                <a16:creationId xmlns:a16="http://schemas.microsoft.com/office/drawing/2014/main" id="{968F5541-35B0-FE49-BCF7-3FB626EF2418}"/>
-              </a:ext>
-            </a:extLst>
-          </p:cNvPr>
+            <a:endParaRPr lang="en-US" dirty="0"/>
+          </a:p>
+        </p:txBody>
+      </p:sp>
+      <p:sp>
+        <p:nvSpPr>
+          <p:cNvPr id="4" name="Text Placeholder 3"/>
           <p:cNvSpPr>
             <a:spLocks noGrp="1"/>
           </p:cNvSpPr>
@@ -2305,8 +2020,8 @@
         </p:nvSpPr>
         <p:spPr>
           <a:xfrm>
-            <a:off x="839788" y="2057400"/>
-            <a:ext cx="3932237" cy="3811588"/>
+            <a:off x="745749" y="2436019"/>
+            <a:ext cx="3491909" cy="4513026"/>
           </a:xfrm>
         </p:spPr>
         <p:txBody>
@@ -2314,39 +2029,39 @@
           <a:lstStyle>
             <a:lvl1pPr marL="0" indent="0">
               <a:buNone/>
-              <a:defRPr sz="1600"/>
+              <a:defRPr sz="1894"/>
             </a:lvl1pPr>
-            <a:lvl2pPr marL="457200" indent="0">
-              <a:buNone/>
-              <a:defRPr sz="1400"/>
+            <a:lvl2pPr marL="541325" indent="0">
+              <a:buNone/>
+              <a:defRPr sz="1658"/>
             </a:lvl2pPr>
-            <a:lvl3pPr marL="914400" indent="0">
-              <a:buNone/>
-              <a:defRPr sz="1200"/>
+            <a:lvl3pPr marL="1082650" indent="0">
+              <a:buNone/>
+              <a:defRPr sz="1421"/>
             </a:lvl3pPr>
-            <a:lvl4pPr marL="1371600" indent="0">
-              <a:buNone/>
-              <a:defRPr sz="1000"/>
+            <a:lvl4pPr marL="1623974" indent="0">
+              <a:buNone/>
+              <a:defRPr sz="1184"/>
             </a:lvl4pPr>
-            <a:lvl5pPr marL="1828800" indent="0">
-              <a:buNone/>
-              <a:defRPr sz="1000"/>
+            <a:lvl5pPr marL="2165299" indent="0">
+              <a:buNone/>
+              <a:defRPr sz="1184"/>
             </a:lvl5pPr>
-            <a:lvl6pPr marL="2286000" indent="0">
-              <a:buNone/>
-              <a:defRPr sz="1000"/>
+            <a:lvl6pPr marL="2706624" indent="0">
+              <a:buNone/>
+              <a:defRPr sz="1184"/>
             </a:lvl6pPr>
-            <a:lvl7pPr marL="2743200" indent="0">
-              <a:buNone/>
-              <a:defRPr sz="1000"/>
+            <a:lvl7pPr marL="3247949" indent="0">
+              <a:buNone/>
+              <a:defRPr sz="1184"/>
             </a:lvl7pPr>
-            <a:lvl8pPr marL="3200400" indent="0">
-              <a:buNone/>
-              <a:defRPr sz="1000"/>
+            <a:lvl8pPr marL="3789274" indent="0">
+              <a:buNone/>
+              <a:defRPr sz="1184"/>
             </a:lvl8pPr>
-            <a:lvl9pPr marL="3657600" indent="0">
-              <a:buNone/>
-              <a:defRPr sz="1000"/>
+            <a:lvl9pPr marL="4330598" indent="0">
+              <a:buNone/>
+              <a:defRPr sz="1184"/>
             </a:lvl9pPr>
           </a:lstStyle>
           <a:p>
@@ -2360,13 +2075,7 @@
       </p:sp>
       <p:sp>
         <p:nvSpPr>
-          <p:cNvPr id="5" name="Date Placeholder 4">
-            <a:extLst>
-              <a:ext uri="{FF2B5EF4-FFF2-40B4-BE49-F238E27FC236}">
-                <a16:creationId xmlns:a16="http://schemas.microsoft.com/office/drawing/2014/main" id="{A3B72971-59B9-DF43-A176-AEFB76872A84}"/>
-              </a:ext>
-            </a:extLst>
-          </p:cNvPr>
+          <p:cNvPr id="5" name="Date Placeholder 4"/>
           <p:cNvSpPr>
             <a:spLocks noGrp="1"/>
           </p:cNvSpPr>
@@ -2389,13 +2098,7 @@
       </p:sp>
       <p:sp>
         <p:nvSpPr>
-          <p:cNvPr id="6" name="Footer Placeholder 5">
-            <a:extLst>
-              <a:ext uri="{FF2B5EF4-FFF2-40B4-BE49-F238E27FC236}">
-                <a16:creationId xmlns:a16="http://schemas.microsoft.com/office/drawing/2014/main" id="{E375E098-CEF6-324C-8573-917F5979C17A}"/>
-              </a:ext>
-            </a:extLst>
-          </p:cNvPr>
+          <p:cNvPr id="6" name="Footer Placeholder 5"/>
           <p:cNvSpPr>
             <a:spLocks noGrp="1"/>
           </p:cNvSpPr>
@@ -2414,13 +2117,7 @@
       </p:sp>
       <p:sp>
         <p:nvSpPr>
-          <p:cNvPr id="7" name="Slide Number Placeholder 6">
-            <a:extLst>
-              <a:ext uri="{FF2B5EF4-FFF2-40B4-BE49-F238E27FC236}">
-                <a16:creationId xmlns:a16="http://schemas.microsoft.com/office/drawing/2014/main" id="{EC0DE72F-84BF-AD4E-BB99-8C61C6693C7F}"/>
-              </a:ext>
-            </a:extLst>
-          </p:cNvPr>
+          <p:cNvPr id="7" name="Slide Number Placeholder 6"/>
           <p:cNvSpPr>
             <a:spLocks noGrp="1"/>
           </p:cNvSpPr>
@@ -2444,7 +2141,7 @@
     </p:spTree>
     <p:extLst>
       <p:ext uri="{BB962C8B-B14F-4D97-AF65-F5344CB8AC3E}">
-        <p14:creationId xmlns:p14="http://schemas.microsoft.com/office/powerpoint/2010/main" val="2530889504"/>
+        <p14:creationId xmlns:p14="http://schemas.microsoft.com/office/powerpoint/2010/main" val="3829421906"/>
       </p:ext>
     </p:extLst>
   </p:cSld>
@@ -2473,13 +2170,7 @@
       </p:grpSpPr>
       <p:sp>
         <p:nvSpPr>
-          <p:cNvPr id="2" name="Title 1">
-            <a:extLst>
-              <a:ext uri="{FF2B5EF4-FFF2-40B4-BE49-F238E27FC236}">
-                <a16:creationId xmlns:a16="http://schemas.microsoft.com/office/drawing/2014/main" id="{E379ADBE-D5BF-AE41-A8BD-A2882F5820FE}"/>
-              </a:ext>
-            </a:extLst>
-          </p:cNvPr>
+          <p:cNvPr id="2" name="Title 1"/>
           <p:cNvSpPr>
             <a:spLocks noGrp="1"/>
           </p:cNvSpPr>
@@ -2489,15 +2180,15 @@
         </p:nvSpPr>
         <p:spPr>
           <a:xfrm>
-            <a:off x="839788" y="457200"/>
-            <a:ext cx="3932237" cy="1600200"/>
+            <a:off x="745749" y="541338"/>
+            <a:ext cx="3491909" cy="1894681"/>
           </a:xfrm>
         </p:spPr>
         <p:txBody>
           <a:bodyPr anchor="b"/>
           <a:lstStyle>
             <a:lvl1pPr>
-              <a:defRPr sz="3200"/>
+              <a:defRPr sz="3789"/>
             </a:lvl1pPr>
           </a:lstStyle>
           <a:p>
@@ -2505,20 +2196,15 @@
               <a:rPr lang="en-US"/>
               <a:t>Click to edit Master title style</a:t>
             </a:r>
-          </a:p>
-        </p:txBody>
-      </p:sp>
-      <p:sp>
-        <p:nvSpPr>
-          <p:cNvPr id="3" name="Picture Placeholder 2">
-            <a:extLst>
-              <a:ext uri="{FF2B5EF4-FFF2-40B4-BE49-F238E27FC236}">
-                <a16:creationId xmlns:a16="http://schemas.microsoft.com/office/drawing/2014/main" id="{F6EEB270-7EA8-FA41-9860-2AD74218D509}"/>
-              </a:ext>
-            </a:extLst>
-          </p:cNvPr>
-          <p:cNvSpPr>
-            <a:spLocks noGrp="1"/>
+            <a:endParaRPr lang="en-US" dirty="0"/>
+          </a:p>
+        </p:txBody>
+      </p:sp>
+      <p:sp>
+        <p:nvSpPr>
+          <p:cNvPr id="3" name="Picture Placeholder 2"/>
+          <p:cNvSpPr>
+            <a:spLocks noGrp="1" noChangeAspect="1"/>
           </p:cNvSpPr>
           <p:nvPr>
             <p:ph type="pic" idx="1"/>
@@ -2526,64 +2212,62 @@
         </p:nvSpPr>
         <p:spPr>
           <a:xfrm>
-            <a:off x="5183188" y="987425"/>
-            <a:ext cx="6172200" cy="4873625"/>
+            <a:off x="4602779" y="1169140"/>
+            <a:ext cx="5481042" cy="5770508"/>
           </a:xfrm>
         </p:spPr>
         <p:txBody>
-          <a:bodyPr/>
+          <a:bodyPr anchor="t"/>
           <a:lstStyle>
             <a:lvl1pPr marL="0" indent="0">
               <a:buNone/>
-              <a:defRPr sz="3200"/>
+              <a:defRPr sz="3789"/>
             </a:lvl1pPr>
-            <a:lvl2pPr marL="457200" indent="0">
-              <a:buNone/>
-              <a:defRPr sz="2800"/>
+            <a:lvl2pPr marL="541325" indent="0">
+              <a:buNone/>
+              <a:defRPr sz="3315"/>
             </a:lvl2pPr>
-            <a:lvl3pPr marL="914400" indent="0">
-              <a:buNone/>
-              <a:defRPr sz="2400"/>
+            <a:lvl3pPr marL="1082650" indent="0">
+              <a:buNone/>
+              <a:defRPr sz="2842"/>
             </a:lvl3pPr>
-            <a:lvl4pPr marL="1371600" indent="0">
-              <a:buNone/>
-              <a:defRPr sz="2000"/>
+            <a:lvl4pPr marL="1623974" indent="0">
+              <a:buNone/>
+              <a:defRPr sz="2368"/>
             </a:lvl4pPr>
-            <a:lvl5pPr marL="1828800" indent="0">
-              <a:buNone/>
-              <a:defRPr sz="2000"/>
+            <a:lvl5pPr marL="2165299" indent="0">
+              <a:buNone/>
+              <a:defRPr sz="2368"/>
             </a:lvl5pPr>
-            <a:lvl6pPr marL="2286000" indent="0">
-              <a:buNone/>
-              <a:defRPr sz="2000"/>
+            <a:lvl6pPr marL="2706624" indent="0">
+              <a:buNone/>
+              <a:defRPr sz="2368"/>
             </a:lvl6pPr>
-            <a:lvl7pPr marL="2743200" indent="0">
-              <a:buNone/>
-              <a:defRPr sz="2000"/>
+            <a:lvl7pPr marL="3247949" indent="0">
+              <a:buNone/>
+              <a:defRPr sz="2368"/>
             </a:lvl7pPr>
-            <a:lvl8pPr marL="3200400" indent="0">
-              <a:buNone/>
-              <a:defRPr sz="2000"/>
+            <a:lvl8pPr marL="3789274" indent="0">
+              <a:buNone/>
+              <a:defRPr sz="2368"/>
             </a:lvl8pPr>
-            <a:lvl9pPr marL="3657600" indent="0">
-              <a:buNone/>
-              <a:defRPr sz="2000"/>
+            <a:lvl9pPr marL="4330598" indent="0">
+              <a:buNone/>
+              <a:defRPr sz="2368"/>
             </a:lvl9pPr>
           </a:lstStyle>
           <a:p>
-            <a:endParaRPr lang="en-US"/>
-          </a:p>
-        </p:txBody>
-      </p:sp>
-      <p:sp>
-        <p:nvSpPr>
-          <p:cNvPr id="4" name="Text Placeholder 3">
-            <a:extLst>
-              <a:ext uri="{FF2B5EF4-FFF2-40B4-BE49-F238E27FC236}">
-                <a16:creationId xmlns:a16="http://schemas.microsoft.com/office/drawing/2014/main" id="{78A3B362-A62A-0E41-B259-9ED93DED3437}"/>
-              </a:ext>
-            </a:extLst>
-          </p:cNvPr>
+            <a:r>
+              <a:rPr lang="en-US"/>
+              <a:t>Click icon to add picture</a:t>
+            </a:r>
+            <a:endParaRPr lang="en-US" dirty="0"/>
+          </a:p>
+        </p:txBody>
+      </p:sp>
+      <p:sp>
+        <p:nvSpPr>
+          <p:cNvPr id="4" name="Text Placeholder 3"/>
           <p:cNvSpPr>
             <a:spLocks noGrp="1"/>
           </p:cNvSpPr>
@@ -2593,8 +2277,8 @@
         </p:nvSpPr>
         <p:spPr>
           <a:xfrm>
-            <a:off x="839788" y="2057400"/>
-            <a:ext cx="3932237" cy="3811588"/>
+            <a:off x="745749" y="2436019"/>
+            <a:ext cx="3491909" cy="4513026"/>
           </a:xfrm>
         </p:spPr>
         <p:txBody>
@@ -2602,39 +2286,39 @@
           <a:lstStyle>
             <a:lvl1pPr marL="0" indent="0">
               <a:buNone/>
-              <a:defRPr sz="1600"/>
+              <a:defRPr sz="1894"/>
             </a:lvl1pPr>
-            <a:lvl2pPr marL="457200" indent="0">
-              <a:buNone/>
-              <a:defRPr sz="1400"/>
+            <a:lvl2pPr marL="541325" indent="0">
+              <a:buNone/>
+              <a:defRPr sz="1658"/>
             </a:lvl2pPr>
-            <a:lvl3pPr marL="914400" indent="0">
-              <a:buNone/>
-              <a:defRPr sz="1200"/>
+            <a:lvl3pPr marL="1082650" indent="0">
+              <a:buNone/>
+              <a:defRPr sz="1421"/>
             </a:lvl3pPr>
-            <a:lvl4pPr marL="1371600" indent="0">
-              <a:buNone/>
-              <a:defRPr sz="1000"/>
+            <a:lvl4pPr marL="1623974" indent="0">
+              <a:buNone/>
+              <a:defRPr sz="1184"/>
             </a:lvl4pPr>
-            <a:lvl5pPr marL="1828800" indent="0">
-              <a:buNone/>
-              <a:defRPr sz="1000"/>
+            <a:lvl5pPr marL="2165299" indent="0">
+              <a:buNone/>
+              <a:defRPr sz="1184"/>
             </a:lvl5pPr>
-            <a:lvl6pPr marL="2286000" indent="0">
-              <a:buNone/>
-              <a:defRPr sz="1000"/>
+            <a:lvl6pPr marL="2706624" indent="0">
+              <a:buNone/>
+              <a:defRPr sz="1184"/>
             </a:lvl6pPr>
-            <a:lvl7pPr marL="2743200" indent="0">
-              <a:buNone/>
-              <a:defRPr sz="1000"/>
+            <a:lvl7pPr marL="3247949" indent="0">
+              <a:buNone/>
+              <a:defRPr sz="1184"/>
             </a:lvl7pPr>
-            <a:lvl8pPr marL="3200400" indent="0">
-              <a:buNone/>
-              <a:defRPr sz="1000"/>
+            <a:lvl8pPr marL="3789274" indent="0">
+              <a:buNone/>
+              <a:defRPr sz="1184"/>
             </a:lvl8pPr>
-            <a:lvl9pPr marL="3657600" indent="0">
-              <a:buNone/>
-              <a:defRPr sz="1000"/>
+            <a:lvl9pPr marL="4330598" indent="0">
+              <a:buNone/>
+              <a:defRPr sz="1184"/>
             </a:lvl9pPr>
           </a:lstStyle>
           <a:p>
@@ -2648,13 +2332,7 @@
       </p:sp>
       <p:sp>
         <p:nvSpPr>
-          <p:cNvPr id="5" name="Date Placeholder 4">
-            <a:extLst>
-              <a:ext uri="{FF2B5EF4-FFF2-40B4-BE49-F238E27FC236}">
-                <a16:creationId xmlns:a16="http://schemas.microsoft.com/office/drawing/2014/main" id="{EACCA462-64CB-F845-B9AD-29F0B692BF91}"/>
-              </a:ext>
-            </a:extLst>
-          </p:cNvPr>
+          <p:cNvPr id="5" name="Date Placeholder 4"/>
           <p:cNvSpPr>
             <a:spLocks noGrp="1"/>
           </p:cNvSpPr>
@@ -2677,13 +2355,7 @@
       </p:sp>
       <p:sp>
         <p:nvSpPr>
-          <p:cNvPr id="6" name="Footer Placeholder 5">
-            <a:extLst>
-              <a:ext uri="{FF2B5EF4-FFF2-40B4-BE49-F238E27FC236}">
-                <a16:creationId xmlns:a16="http://schemas.microsoft.com/office/drawing/2014/main" id="{26E2FEEF-8C2C-EB4B-A4FC-B0596B047ED6}"/>
-              </a:ext>
-            </a:extLst>
-          </p:cNvPr>
+          <p:cNvPr id="6" name="Footer Placeholder 5"/>
           <p:cNvSpPr>
             <a:spLocks noGrp="1"/>
           </p:cNvSpPr>
@@ -2702,13 +2374,7 @@
       </p:sp>
       <p:sp>
         <p:nvSpPr>
-          <p:cNvPr id="7" name="Slide Number Placeholder 6">
-            <a:extLst>
-              <a:ext uri="{FF2B5EF4-FFF2-40B4-BE49-F238E27FC236}">
-                <a16:creationId xmlns:a16="http://schemas.microsoft.com/office/drawing/2014/main" id="{411ABB60-BE8C-A243-A4C5-9915330F26AE}"/>
-              </a:ext>
-            </a:extLst>
-          </p:cNvPr>
+          <p:cNvPr id="7" name="Slide Number Placeholder 6"/>
           <p:cNvSpPr>
             <a:spLocks noGrp="1"/>
           </p:cNvSpPr>
@@ -2732,7 +2398,7 @@
     </p:spTree>
     <p:extLst>
       <p:ext uri="{BB962C8B-B14F-4D97-AF65-F5344CB8AC3E}">
-        <p14:creationId xmlns:p14="http://schemas.microsoft.com/office/powerpoint/2010/main" val="1393373417"/>
+        <p14:creationId xmlns:p14="http://schemas.microsoft.com/office/powerpoint/2010/main" val="1350401014"/>
       </p:ext>
     </p:extLst>
   </p:cSld>
@@ -2766,13 +2432,7 @@
       </p:grpSpPr>
       <p:sp>
         <p:nvSpPr>
-          <p:cNvPr id="2" name="Title Placeholder 1">
-            <a:extLst>
-              <a:ext uri="{FF2B5EF4-FFF2-40B4-BE49-F238E27FC236}">
-                <a16:creationId xmlns:a16="http://schemas.microsoft.com/office/drawing/2014/main" id="{C5614B25-2319-264B-86F1-280936FDACC4}"/>
-              </a:ext>
-            </a:extLst>
-          </p:cNvPr>
+          <p:cNvPr id="2" name="Title Placeholder 1"/>
           <p:cNvSpPr>
             <a:spLocks noGrp="1"/>
           </p:cNvSpPr>
@@ -2782,8 +2442,8 @@
         </p:nvSpPr>
         <p:spPr>
           <a:xfrm>
-            <a:off x="838200" y="365125"/>
-            <a:ext cx="10515600" cy="1325563"/>
+            <a:off x="744339" y="432320"/>
+            <a:ext cx="9338072" cy="1569504"/>
           </a:xfrm>
           <a:prstGeom prst="rect">
             <a:avLst/>
@@ -2799,18 +2459,13 @@
               <a:rPr lang="en-US"/>
               <a:t>Click to edit Master title style</a:t>
             </a:r>
-          </a:p>
-        </p:txBody>
-      </p:sp>
-      <p:sp>
-        <p:nvSpPr>
-          <p:cNvPr id="3" name="Text Placeholder 2">
-            <a:extLst>
-              <a:ext uri="{FF2B5EF4-FFF2-40B4-BE49-F238E27FC236}">
-                <a16:creationId xmlns:a16="http://schemas.microsoft.com/office/drawing/2014/main" id="{3C309E48-DB1D-DD40-9A23-7C1AC6986035}"/>
-              </a:ext>
-            </a:extLst>
-          </p:cNvPr>
+            <a:endParaRPr lang="en-US" dirty="0"/>
+          </a:p>
+        </p:txBody>
+      </p:sp>
+      <p:sp>
+        <p:nvSpPr>
+          <p:cNvPr id="3" name="Text Placeholder 2"/>
           <p:cNvSpPr>
             <a:spLocks noGrp="1"/>
           </p:cNvSpPr>
@@ -2820,8 +2475,8 @@
         </p:nvSpPr>
         <p:spPr>
           <a:xfrm>
-            <a:off x="838200" y="1825625"/>
-            <a:ext cx="10515600" cy="4351338"/>
+            <a:off x="744339" y="2161591"/>
+            <a:ext cx="9338072" cy="5152105"/>
           </a:xfrm>
           <a:prstGeom prst="rect">
             <a:avLst/>
@@ -2866,18 +2521,13 @@
               <a:rPr lang="en-US"/>
               <a:t>Fifth level</a:t>
             </a:r>
-          </a:p>
-        </p:txBody>
-      </p:sp>
-      <p:sp>
-        <p:nvSpPr>
-          <p:cNvPr id="4" name="Date Placeholder 3">
-            <a:extLst>
-              <a:ext uri="{FF2B5EF4-FFF2-40B4-BE49-F238E27FC236}">
-                <a16:creationId xmlns:a16="http://schemas.microsoft.com/office/drawing/2014/main" id="{65333B49-73B0-2C44-B869-13D050BD75FB}"/>
-              </a:ext>
-            </a:extLst>
-          </p:cNvPr>
+            <a:endParaRPr lang="en-US" dirty="0"/>
+          </a:p>
+        </p:txBody>
+      </p:sp>
+      <p:sp>
+        <p:nvSpPr>
+          <p:cNvPr id="4" name="Date Placeholder 3"/>
           <p:cNvSpPr>
             <a:spLocks noGrp="1"/>
           </p:cNvSpPr>
@@ -2887,8 +2537,8 @@
         </p:nvSpPr>
         <p:spPr>
           <a:xfrm>
-            <a:off x="838200" y="6356350"/>
-            <a:ext cx="2743200" cy="365125"/>
+            <a:off x="744339" y="7526097"/>
+            <a:ext cx="2436019" cy="432318"/>
           </a:xfrm>
           <a:prstGeom prst="rect">
             <a:avLst/>
@@ -2898,7 +2548,7 @@
           <a:bodyPr vert="horz" lIns="91440" tIns="45720" rIns="91440" bIns="45720" rtlCol="0" anchor="ctr"/>
           <a:lstStyle>
             <a:lvl1pPr algn="l">
-              <a:defRPr sz="1200">
+              <a:defRPr sz="1421">
                 <a:solidFill>
                   <a:schemeClr val="tx1">
                     <a:tint val="75000"/>
@@ -2918,13 +2568,7 @@
       </p:sp>
       <p:sp>
         <p:nvSpPr>
-          <p:cNvPr id="5" name="Footer Placeholder 4">
-            <a:extLst>
-              <a:ext uri="{FF2B5EF4-FFF2-40B4-BE49-F238E27FC236}">
-                <a16:creationId xmlns:a16="http://schemas.microsoft.com/office/drawing/2014/main" id="{BE2AF6C0-EF04-794A-AEB1-9C4217F2E717}"/>
-              </a:ext>
-            </a:extLst>
-          </p:cNvPr>
+          <p:cNvPr id="5" name="Footer Placeholder 4"/>
           <p:cNvSpPr>
             <a:spLocks noGrp="1"/>
           </p:cNvSpPr>
@@ -2934,8 +2578,8 @@
         </p:nvSpPr>
         <p:spPr>
           <a:xfrm>
-            <a:off x="4038600" y="6356350"/>
-            <a:ext cx="4114800" cy="365125"/>
+            <a:off x="3586361" y="7526097"/>
+            <a:ext cx="3654028" cy="432318"/>
           </a:xfrm>
           <a:prstGeom prst="rect">
             <a:avLst/>
@@ -2945,7 +2589,7 @@
           <a:bodyPr vert="horz" lIns="91440" tIns="45720" rIns="91440" bIns="45720" rtlCol="0" anchor="ctr"/>
           <a:lstStyle>
             <a:lvl1pPr algn="ctr">
-              <a:defRPr sz="1200">
+              <a:defRPr sz="1421">
                 <a:solidFill>
                   <a:schemeClr val="tx1">
                     <a:tint val="75000"/>
@@ -2961,13 +2605,7 @@
       </p:sp>
       <p:sp>
         <p:nvSpPr>
-          <p:cNvPr id="6" name="Slide Number Placeholder 5">
-            <a:extLst>
-              <a:ext uri="{FF2B5EF4-FFF2-40B4-BE49-F238E27FC236}">
-                <a16:creationId xmlns:a16="http://schemas.microsoft.com/office/drawing/2014/main" id="{1934581B-A3BA-B549-B077-A1745175719A}"/>
-              </a:ext>
-            </a:extLst>
-          </p:cNvPr>
+          <p:cNvPr id="6" name="Slide Number Placeholder 5"/>
           <p:cNvSpPr>
             <a:spLocks noGrp="1"/>
           </p:cNvSpPr>
@@ -2977,8 +2615,8 @@
         </p:nvSpPr>
         <p:spPr>
           <a:xfrm>
-            <a:off x="8610600" y="6356350"/>
-            <a:ext cx="2743200" cy="365125"/>
+            <a:off x="7646392" y="7526097"/>
+            <a:ext cx="2436019" cy="432318"/>
           </a:xfrm>
           <a:prstGeom prst="rect">
             <a:avLst/>
@@ -2988,7 +2626,7 @@
           <a:bodyPr vert="horz" lIns="91440" tIns="45720" rIns="91440" bIns="45720" rtlCol="0" anchor="ctr"/>
           <a:lstStyle>
             <a:lvl1pPr algn="r">
-              <a:defRPr sz="1200">
+              <a:defRPr sz="1421">
                 <a:solidFill>
                   <a:schemeClr val="tx1">
                     <a:tint val="75000"/>
@@ -3006,76 +2644,30 @@
           </a:p>
         </p:txBody>
       </p:sp>
-      <p:sp>
-        <p:nvSpPr>
-          <p:cNvPr id="7" name="Rectangle 6">
-            <a:extLst>
-              <a:ext uri="{FF2B5EF4-FFF2-40B4-BE49-F238E27FC236}">
-                <a16:creationId xmlns:a16="http://schemas.microsoft.com/office/drawing/2014/main" id="{BA511939-1B9D-F74C-B79C-93455459104F}"/>
-              </a:ext>
-            </a:extLst>
-          </p:cNvPr>
-          <p:cNvSpPr/>
-          <p:nvPr userDrawn="1"/>
-        </p:nvSpPr>
-        <p:spPr>
-          <a:xfrm>
-            <a:off x="6534615" y="557561"/>
-            <a:ext cx="2999678" cy="2952402"/>
-          </a:xfrm>
-          <a:prstGeom prst="rect">
-            <a:avLst/>
-          </a:prstGeom>
-        </p:spPr>
-        <p:style>
-          <a:lnRef idx="2">
-            <a:schemeClr val="accent1">
-              <a:shade val="50000"/>
-            </a:schemeClr>
-          </a:lnRef>
-          <a:fillRef idx="1">
-            <a:schemeClr val="accent1"/>
-          </a:fillRef>
-          <a:effectRef idx="0">
-            <a:schemeClr val="accent1"/>
-          </a:effectRef>
-          <a:fontRef idx="minor">
-            <a:schemeClr val="lt1"/>
-          </a:fontRef>
-        </p:style>
-        <p:txBody>
-          <a:bodyPr rtlCol="0" anchor="ctr"/>
-          <a:lstStyle/>
-          <a:p>
-            <a:pPr algn="ctr"/>
-            <a:endParaRPr lang="en-US"/>
-          </a:p>
-        </p:txBody>
-      </p:sp>
     </p:spTree>
     <p:extLst>
       <p:ext uri="{BB962C8B-B14F-4D97-AF65-F5344CB8AC3E}">
-        <p14:creationId xmlns:p14="http://schemas.microsoft.com/office/powerpoint/2010/main" val="3816230519"/>
+        <p14:creationId xmlns:p14="http://schemas.microsoft.com/office/powerpoint/2010/main" val="4088218252"/>
       </p:ext>
     </p:extLst>
   </p:cSld>
   <p:clrMap bg1="lt1" tx1="dk1" bg2="lt2" tx2="dk2" accent1="accent1" accent2="accent2" accent3="accent3" accent4="accent4" accent5="accent5" accent6="accent6" hlink="hlink" folHlink="folHlink"/>
   <p:sldLayoutIdLst>
-    <p:sldLayoutId id="2147483649" r:id="rId1"/>
-    <p:sldLayoutId id="2147483650" r:id="rId2"/>
-    <p:sldLayoutId id="2147483651" r:id="rId3"/>
-    <p:sldLayoutId id="2147483652" r:id="rId4"/>
-    <p:sldLayoutId id="2147483653" r:id="rId5"/>
-    <p:sldLayoutId id="2147483654" r:id="rId6"/>
-    <p:sldLayoutId id="2147483655" r:id="rId7"/>
-    <p:sldLayoutId id="2147483656" r:id="rId8"/>
-    <p:sldLayoutId id="2147483657" r:id="rId9"/>
-    <p:sldLayoutId id="2147483658" r:id="rId10"/>
-    <p:sldLayoutId id="2147483659" r:id="rId11"/>
+    <p:sldLayoutId id="2147483697" r:id="rId1"/>
+    <p:sldLayoutId id="2147483698" r:id="rId2"/>
+    <p:sldLayoutId id="2147483699" r:id="rId3"/>
+    <p:sldLayoutId id="2147483700" r:id="rId4"/>
+    <p:sldLayoutId id="2147483701" r:id="rId5"/>
+    <p:sldLayoutId id="2147483702" r:id="rId6"/>
+    <p:sldLayoutId id="2147483703" r:id="rId7"/>
+    <p:sldLayoutId id="2147483704" r:id="rId8"/>
+    <p:sldLayoutId id="2147483705" r:id="rId9"/>
+    <p:sldLayoutId id="2147483706" r:id="rId10"/>
+    <p:sldLayoutId id="2147483707" r:id="rId11"/>
   </p:sldLayoutIdLst>
   <p:txStyles>
     <p:titleStyle>
-      <a:lvl1pPr algn="l" defTabSz="914400" rtl="0" eaLnBrk="1" latinLnBrk="0" hangingPunct="1">
+      <a:lvl1pPr algn="l" defTabSz="1082650" rtl="0" eaLnBrk="1" latinLnBrk="0" hangingPunct="1">
         <a:lnSpc>
           <a:spcPct val="90000"/>
         </a:lnSpc>
@@ -3083,7 +2675,7 @@
           <a:spcPct val="0"/>
         </a:spcBef>
         <a:buNone/>
-        <a:defRPr sz="5400" b="1" i="1" u="sng" kern="1200">
+        <a:defRPr sz="5210" kern="1200">
           <a:solidFill>
             <a:schemeClr val="tx1"/>
           </a:solidFill>
@@ -3094,16 +2686,16 @@
       </a:lvl1pPr>
     </p:titleStyle>
     <p:bodyStyle>
-      <a:lvl1pPr marL="228600" indent="-228600" algn="l" defTabSz="914400" rtl="0" eaLnBrk="1" latinLnBrk="0" hangingPunct="1">
+      <a:lvl1pPr marL="270662" indent="-270662" algn="l" defTabSz="1082650" rtl="0" eaLnBrk="1" latinLnBrk="0" hangingPunct="1">
         <a:lnSpc>
           <a:spcPct val="90000"/>
         </a:lnSpc>
         <a:spcBef>
-          <a:spcPts val="1000"/>
+          <a:spcPts val="1184"/>
         </a:spcBef>
         <a:buFont typeface="Arial" panose="020B0604020202020204" pitchFamily="34" charset="0"/>
         <a:buChar char="•"/>
-        <a:defRPr sz="2800" kern="1200">
+        <a:defRPr sz="3315" kern="1200">
           <a:solidFill>
             <a:schemeClr val="tx1"/>
           </a:solidFill>
@@ -3112,16 +2704,16 @@
           <a:cs typeface="+mn-cs"/>
         </a:defRPr>
       </a:lvl1pPr>
-      <a:lvl2pPr marL="685800" indent="-228600" algn="l" defTabSz="914400" rtl="0" eaLnBrk="1" latinLnBrk="0" hangingPunct="1">
+      <a:lvl2pPr marL="811987" indent="-270662" algn="l" defTabSz="1082650" rtl="0" eaLnBrk="1" latinLnBrk="0" hangingPunct="1">
         <a:lnSpc>
           <a:spcPct val="90000"/>
         </a:lnSpc>
         <a:spcBef>
-          <a:spcPts val="500"/>
+          <a:spcPts val="592"/>
         </a:spcBef>
         <a:buFont typeface="Arial" panose="020B0604020202020204" pitchFamily="34" charset="0"/>
         <a:buChar char="•"/>
-        <a:defRPr sz="2400" kern="1200">
+        <a:defRPr sz="2842" kern="1200">
           <a:solidFill>
             <a:schemeClr val="tx1"/>
           </a:solidFill>
@@ -3130,16 +2722,16 @@
           <a:cs typeface="+mn-cs"/>
         </a:defRPr>
       </a:lvl2pPr>
-      <a:lvl3pPr marL="1143000" indent="-228600" algn="l" defTabSz="914400" rtl="0" eaLnBrk="1" latinLnBrk="0" hangingPunct="1">
+      <a:lvl3pPr marL="1353312" indent="-270662" algn="l" defTabSz="1082650" rtl="0" eaLnBrk="1" latinLnBrk="0" hangingPunct="1">
         <a:lnSpc>
           <a:spcPct val="90000"/>
         </a:lnSpc>
         <a:spcBef>
-          <a:spcPts val="500"/>
+          <a:spcPts val="592"/>
         </a:spcBef>
         <a:buFont typeface="Arial" panose="020B0604020202020204" pitchFamily="34" charset="0"/>
         <a:buChar char="•"/>
-        <a:defRPr sz="2000" kern="1200">
+        <a:defRPr sz="2368" kern="1200">
           <a:solidFill>
             <a:schemeClr val="tx1"/>
           </a:solidFill>
@@ -3148,16 +2740,16 @@
           <a:cs typeface="+mn-cs"/>
         </a:defRPr>
       </a:lvl3pPr>
-      <a:lvl4pPr marL="1600200" indent="-228600" algn="l" defTabSz="914400" rtl="0" eaLnBrk="1" latinLnBrk="0" hangingPunct="1">
+      <a:lvl4pPr marL="1894637" indent="-270662" algn="l" defTabSz="1082650" rtl="0" eaLnBrk="1" latinLnBrk="0" hangingPunct="1">
         <a:lnSpc>
           <a:spcPct val="90000"/>
         </a:lnSpc>
         <a:spcBef>
-          <a:spcPts val="500"/>
+          <a:spcPts val="592"/>
         </a:spcBef>
         <a:buFont typeface="Arial" panose="020B0604020202020204" pitchFamily="34" charset="0"/>
         <a:buChar char="•"/>
-        <a:defRPr sz="1800" kern="1200">
+        <a:defRPr sz="2131" kern="1200">
           <a:solidFill>
             <a:schemeClr val="tx1"/>
           </a:solidFill>
@@ -3166,16 +2758,16 @@
           <a:cs typeface="+mn-cs"/>
         </a:defRPr>
       </a:lvl4pPr>
-      <a:lvl5pPr marL="2057400" indent="-228600" algn="l" defTabSz="914400" rtl="0" eaLnBrk="1" latinLnBrk="0" hangingPunct="1">
+      <a:lvl5pPr marL="2435962" indent="-270662" algn="l" defTabSz="1082650" rtl="0" eaLnBrk="1" latinLnBrk="0" hangingPunct="1">
         <a:lnSpc>
           <a:spcPct val="90000"/>
         </a:lnSpc>
         <a:spcBef>
-          <a:spcPts val="500"/>
+          <a:spcPts val="592"/>
         </a:spcBef>
         <a:buFont typeface="Arial" panose="020B0604020202020204" pitchFamily="34" charset="0"/>
         <a:buChar char="•"/>
-        <a:defRPr sz="1800" kern="1200">
+        <a:defRPr sz="2131" kern="1200">
           <a:solidFill>
             <a:schemeClr val="tx1"/>
           </a:solidFill>
@@ -3184,16 +2776,16 @@
           <a:cs typeface="+mn-cs"/>
         </a:defRPr>
       </a:lvl5pPr>
-      <a:lvl6pPr marL="2514600" indent="-228600" algn="l" defTabSz="914400" rtl="0" eaLnBrk="1" latinLnBrk="0" hangingPunct="1">
+      <a:lvl6pPr marL="2977286" indent="-270662" algn="l" defTabSz="1082650" rtl="0" eaLnBrk="1" latinLnBrk="0" hangingPunct="1">
         <a:lnSpc>
           <a:spcPct val="90000"/>
         </a:lnSpc>
         <a:spcBef>
-          <a:spcPts val="500"/>
+          <a:spcPts val="592"/>
         </a:spcBef>
         <a:buFont typeface="Arial" panose="020B0604020202020204" pitchFamily="34" charset="0"/>
         <a:buChar char="•"/>
-        <a:defRPr sz="1800" kern="1200">
+        <a:defRPr sz="2131" kern="1200">
           <a:solidFill>
             <a:schemeClr val="tx1"/>
           </a:solidFill>
@@ -3202,16 +2794,16 @@
           <a:cs typeface="+mn-cs"/>
         </a:defRPr>
       </a:lvl6pPr>
-      <a:lvl7pPr marL="2971800" indent="-228600" algn="l" defTabSz="914400" rtl="0" eaLnBrk="1" latinLnBrk="0" hangingPunct="1">
+      <a:lvl7pPr marL="3518611" indent="-270662" algn="l" defTabSz="1082650" rtl="0" eaLnBrk="1" latinLnBrk="0" hangingPunct="1">
         <a:lnSpc>
           <a:spcPct val="90000"/>
         </a:lnSpc>
         <a:spcBef>
-          <a:spcPts val="500"/>
+          <a:spcPts val="592"/>
         </a:spcBef>
         <a:buFont typeface="Arial" panose="020B0604020202020204" pitchFamily="34" charset="0"/>
         <a:buChar char="•"/>
-        <a:defRPr sz="1800" kern="1200">
+        <a:defRPr sz="2131" kern="1200">
           <a:solidFill>
             <a:schemeClr val="tx1"/>
           </a:solidFill>
@@ -3220,16 +2812,16 @@
           <a:cs typeface="+mn-cs"/>
         </a:defRPr>
       </a:lvl7pPr>
-      <a:lvl8pPr marL="3429000" indent="-228600" algn="l" defTabSz="914400" rtl="0" eaLnBrk="1" latinLnBrk="0" hangingPunct="1">
+      <a:lvl8pPr marL="4059936" indent="-270662" algn="l" defTabSz="1082650" rtl="0" eaLnBrk="1" latinLnBrk="0" hangingPunct="1">
         <a:lnSpc>
           <a:spcPct val="90000"/>
         </a:lnSpc>
         <a:spcBef>
-          <a:spcPts val="500"/>
+          <a:spcPts val="592"/>
         </a:spcBef>
         <a:buFont typeface="Arial" panose="020B0604020202020204" pitchFamily="34" charset="0"/>
         <a:buChar char="•"/>
-        <a:defRPr sz="1800" kern="1200">
+        <a:defRPr sz="2131" kern="1200">
           <a:solidFill>
             <a:schemeClr val="tx1"/>
           </a:solidFill>
@@ -3238,16 +2830,16 @@
           <a:cs typeface="+mn-cs"/>
         </a:defRPr>
       </a:lvl8pPr>
-      <a:lvl9pPr marL="3886200" indent="-228600" algn="l" defTabSz="914400" rtl="0" eaLnBrk="1" latinLnBrk="0" hangingPunct="1">
+      <a:lvl9pPr marL="4601261" indent="-270662" algn="l" defTabSz="1082650" rtl="0" eaLnBrk="1" latinLnBrk="0" hangingPunct="1">
         <a:lnSpc>
           <a:spcPct val="90000"/>
         </a:lnSpc>
         <a:spcBef>
-          <a:spcPts val="500"/>
+          <a:spcPts val="592"/>
         </a:spcBef>
         <a:buFont typeface="Arial" panose="020B0604020202020204" pitchFamily="34" charset="0"/>
         <a:buChar char="•"/>
-        <a:defRPr sz="1800" kern="1200">
+        <a:defRPr sz="2131" kern="1200">
           <a:solidFill>
             <a:schemeClr val="tx1"/>
           </a:solidFill>
@@ -3261,8 +2853,8 @@
       <a:defPPr>
         <a:defRPr lang="en-US"/>
       </a:defPPr>
-      <a:lvl1pPr marL="0" algn="l" defTabSz="914400" rtl="0" eaLnBrk="1" latinLnBrk="0" hangingPunct="1">
-        <a:defRPr sz="1800" kern="1200">
+      <a:lvl1pPr marL="0" algn="l" defTabSz="1082650" rtl="0" eaLnBrk="1" latinLnBrk="0" hangingPunct="1">
+        <a:defRPr sz="2131" kern="1200">
           <a:solidFill>
             <a:schemeClr val="tx1"/>
           </a:solidFill>
@@ -3271,8 +2863,8 @@
           <a:cs typeface="+mn-cs"/>
         </a:defRPr>
       </a:lvl1pPr>
-      <a:lvl2pPr marL="457200" algn="l" defTabSz="914400" rtl="0" eaLnBrk="1" latinLnBrk="0" hangingPunct="1">
-        <a:defRPr sz="1800" kern="1200">
+      <a:lvl2pPr marL="541325" algn="l" defTabSz="1082650" rtl="0" eaLnBrk="1" latinLnBrk="0" hangingPunct="1">
+        <a:defRPr sz="2131" kern="1200">
           <a:solidFill>
             <a:schemeClr val="tx1"/>
           </a:solidFill>
@@ -3281,8 +2873,8 @@
           <a:cs typeface="+mn-cs"/>
         </a:defRPr>
       </a:lvl2pPr>
-      <a:lvl3pPr marL="914400" algn="l" defTabSz="914400" rtl="0" eaLnBrk="1" latinLnBrk="0" hangingPunct="1">
-        <a:defRPr sz="1800" kern="1200">
+      <a:lvl3pPr marL="1082650" algn="l" defTabSz="1082650" rtl="0" eaLnBrk="1" latinLnBrk="0" hangingPunct="1">
+        <a:defRPr sz="2131" kern="1200">
           <a:solidFill>
             <a:schemeClr val="tx1"/>
           </a:solidFill>
@@ -3291,8 +2883,8 @@
           <a:cs typeface="+mn-cs"/>
         </a:defRPr>
       </a:lvl3pPr>
-      <a:lvl4pPr marL="1371600" algn="l" defTabSz="914400" rtl="0" eaLnBrk="1" latinLnBrk="0" hangingPunct="1">
-        <a:defRPr sz="1800" kern="1200">
+      <a:lvl4pPr marL="1623974" algn="l" defTabSz="1082650" rtl="0" eaLnBrk="1" latinLnBrk="0" hangingPunct="1">
+        <a:defRPr sz="2131" kern="1200">
           <a:solidFill>
             <a:schemeClr val="tx1"/>
           </a:solidFill>
@@ -3301,8 +2893,8 @@
           <a:cs typeface="+mn-cs"/>
         </a:defRPr>
       </a:lvl4pPr>
-      <a:lvl5pPr marL="1828800" algn="l" defTabSz="914400" rtl="0" eaLnBrk="1" latinLnBrk="0" hangingPunct="1">
-        <a:defRPr sz="1800" kern="1200">
+      <a:lvl5pPr marL="2165299" algn="l" defTabSz="1082650" rtl="0" eaLnBrk="1" latinLnBrk="0" hangingPunct="1">
+        <a:defRPr sz="2131" kern="1200">
           <a:solidFill>
             <a:schemeClr val="tx1"/>
           </a:solidFill>
@@ -3311,8 +2903,8 @@
           <a:cs typeface="+mn-cs"/>
         </a:defRPr>
       </a:lvl5pPr>
-      <a:lvl6pPr marL="2286000" algn="l" defTabSz="914400" rtl="0" eaLnBrk="1" latinLnBrk="0" hangingPunct="1">
-        <a:defRPr sz="1800" kern="1200">
+      <a:lvl6pPr marL="2706624" algn="l" defTabSz="1082650" rtl="0" eaLnBrk="1" latinLnBrk="0" hangingPunct="1">
+        <a:defRPr sz="2131" kern="1200">
           <a:solidFill>
             <a:schemeClr val="tx1"/>
           </a:solidFill>
@@ -3321,8 +2913,8 @@
           <a:cs typeface="+mn-cs"/>
         </a:defRPr>
       </a:lvl6pPr>
-      <a:lvl7pPr marL="2743200" algn="l" defTabSz="914400" rtl="0" eaLnBrk="1" latinLnBrk="0" hangingPunct="1">
-        <a:defRPr sz="1800" kern="1200">
+      <a:lvl7pPr marL="3247949" algn="l" defTabSz="1082650" rtl="0" eaLnBrk="1" latinLnBrk="0" hangingPunct="1">
+        <a:defRPr sz="2131" kern="1200">
           <a:solidFill>
             <a:schemeClr val="tx1"/>
           </a:solidFill>
@@ -3331,8 +2923,8 @@
           <a:cs typeface="+mn-cs"/>
         </a:defRPr>
       </a:lvl7pPr>
-      <a:lvl8pPr marL="3200400" algn="l" defTabSz="914400" rtl="0" eaLnBrk="1" latinLnBrk="0" hangingPunct="1">
-        <a:defRPr sz="1800" kern="1200">
+      <a:lvl8pPr marL="3789274" algn="l" defTabSz="1082650" rtl="0" eaLnBrk="1" latinLnBrk="0" hangingPunct="1">
+        <a:defRPr sz="2131" kern="1200">
           <a:solidFill>
             <a:schemeClr val="tx1"/>
           </a:solidFill>
@@ -3341,8 +2933,8 @@
           <a:cs typeface="+mn-cs"/>
         </a:defRPr>
       </a:lvl8pPr>
-      <a:lvl9pPr marL="3657600" algn="l" defTabSz="914400" rtl="0" eaLnBrk="1" latinLnBrk="0" hangingPunct="1">
-        <a:defRPr sz="1800" kern="1200">
+      <a:lvl9pPr marL="4330598" algn="l" defTabSz="1082650" rtl="0" eaLnBrk="1" latinLnBrk="0" hangingPunct="1">
+        <a:defRPr sz="2131" kern="1200">
           <a:solidFill>
             <a:schemeClr val="tx1"/>
           </a:solidFill>
@@ -3373,56 +2965,1014 @@
           <a:chExt cx="0" cy="0"/>
         </a:xfrm>
       </p:grpSpPr>
-      <p:sp>
-        <p:nvSpPr>
-          <p:cNvPr id="2" name="Title 1">
+      <p:grpSp>
+        <p:nvGrpSpPr>
+          <p:cNvPr id="53" name="Group 52">
             <a:extLst>
               <a:ext uri="{FF2B5EF4-FFF2-40B4-BE49-F238E27FC236}">
-                <a16:creationId xmlns:a16="http://schemas.microsoft.com/office/drawing/2014/main" id="{E6315779-CA8C-0543-B217-B4898BBCDAFA}"/>
+                <a16:creationId xmlns:a16="http://schemas.microsoft.com/office/drawing/2014/main" id="{F3180DCB-C6A7-0549-9CF4-9CFD36C75651}"/>
               </a:ext>
             </a:extLst>
           </p:cNvPr>
-          <p:cNvSpPr>
-            <a:spLocks noGrp="1"/>
-          </p:cNvSpPr>
-          <p:nvPr>
-            <p:ph type="ctrTitle"/>
-          </p:nvPr>
-        </p:nvSpPr>
-        <p:spPr/>
-        <p:txBody>
-          <a:bodyPr/>
-          <a:lstStyle/>
-          <a:p>
-            <a:endParaRPr lang="en-US"/>
-          </a:p>
-        </p:txBody>
-      </p:sp>
-      <p:sp>
-        <p:nvSpPr>
-          <p:cNvPr id="3" name="Subtitle 2">
+          <p:cNvGrpSpPr/>
+          <p:nvPr/>
+        </p:nvGrpSpPr>
+        <p:grpSpPr>
+          <a:xfrm>
+            <a:off x="3923219" y="0"/>
+            <a:ext cx="4294678" cy="6905614"/>
+            <a:chOff x="3923219" y="0"/>
+            <a:chExt cx="4294678" cy="6905614"/>
+          </a:xfrm>
+        </p:grpSpPr>
+        <p:sp>
+          <p:nvSpPr>
+            <p:cNvPr id="40" name="Trapezoid 39">
+              <a:extLst>
+                <a:ext uri="{FF2B5EF4-FFF2-40B4-BE49-F238E27FC236}">
+                  <a16:creationId xmlns:a16="http://schemas.microsoft.com/office/drawing/2014/main" id="{02489941-EC4D-B040-8B4B-C23FA0431682}"/>
+                </a:ext>
+              </a:extLst>
+            </p:cNvPr>
+            <p:cNvSpPr/>
+            <p:nvPr/>
+          </p:nvSpPr>
+          <p:spPr>
+            <a:xfrm>
+              <a:off x="3923219" y="2258233"/>
+              <a:ext cx="4294678" cy="4647381"/>
+            </a:xfrm>
+            <a:prstGeom prst="trapezoid">
+              <a:avLst>
+                <a:gd name="adj" fmla="val 47067"/>
+              </a:avLst>
+            </a:prstGeom>
+            <a:solidFill>
+              <a:srgbClr val="FFD590"/>
+            </a:solidFill>
+            <a:ln>
+              <a:noFill/>
+            </a:ln>
+          </p:spPr>
+          <p:style>
+            <a:lnRef idx="2">
+              <a:schemeClr val="accent1">
+                <a:shade val="50000"/>
+              </a:schemeClr>
+            </a:lnRef>
+            <a:fillRef idx="1">
+              <a:schemeClr val="accent1"/>
+            </a:fillRef>
+            <a:effectRef idx="0">
+              <a:schemeClr val="accent1"/>
+            </a:effectRef>
+            <a:fontRef idx="minor">
+              <a:schemeClr val="lt1"/>
+            </a:fontRef>
+          </p:style>
+          <p:txBody>
+            <a:bodyPr rtlCol="0" anchor="ctr"/>
+            <a:lstStyle/>
+            <a:p>
+              <a:pPr algn="ctr"/>
+              <a:endParaRPr lang="en-US"/>
+            </a:p>
+          </p:txBody>
+        </p:sp>
+        <p:grpSp>
+          <p:nvGrpSpPr>
+            <p:cNvPr id="52" name="Group 51">
+              <a:extLst>
+                <a:ext uri="{FF2B5EF4-FFF2-40B4-BE49-F238E27FC236}">
+                  <a16:creationId xmlns:a16="http://schemas.microsoft.com/office/drawing/2014/main" id="{2BA73B59-8975-0B49-8D5A-09BC6F4ADD40}"/>
+                </a:ext>
+              </a:extLst>
+            </p:cNvPr>
+            <p:cNvGrpSpPr/>
+            <p:nvPr/>
+          </p:nvGrpSpPr>
+          <p:grpSpPr>
+            <a:xfrm>
+              <a:off x="5192790" y="0"/>
+              <a:ext cx="1758461" cy="2834146"/>
+              <a:chOff x="5192790" y="0"/>
+              <a:chExt cx="1758461" cy="2834146"/>
+            </a:xfrm>
+          </p:grpSpPr>
+          <p:sp>
+            <p:nvSpPr>
+              <p:cNvPr id="33" name="Can 32">
+                <a:extLst>
+                  <a:ext uri="{FF2B5EF4-FFF2-40B4-BE49-F238E27FC236}">
+                    <a16:creationId xmlns:a16="http://schemas.microsoft.com/office/drawing/2014/main" id="{02A4C765-921F-014C-9A0F-59B74AC886A0}"/>
+                  </a:ext>
+                </a:extLst>
+              </p:cNvPr>
+              <p:cNvSpPr/>
+              <p:nvPr/>
+            </p:nvSpPr>
+            <p:spPr>
+              <a:xfrm>
+                <a:off x="5192790" y="1003148"/>
+                <a:ext cx="1758461" cy="1830998"/>
+              </a:xfrm>
+              <a:prstGeom prst="can">
+                <a:avLst>
+                  <a:gd name="adj" fmla="val 35062"/>
+                </a:avLst>
+              </a:prstGeom>
+              <a:solidFill>
+                <a:srgbClr val="FF0000"/>
+              </a:solidFill>
+              <a:ln>
+                <a:solidFill>
+                  <a:schemeClr val="tx1"/>
+                </a:solidFill>
+              </a:ln>
+            </p:spPr>
+            <p:style>
+              <a:lnRef idx="2">
+                <a:schemeClr val="accent1">
+                  <a:shade val="50000"/>
+                </a:schemeClr>
+              </a:lnRef>
+              <a:fillRef idx="1">
+                <a:schemeClr val="accent1"/>
+              </a:fillRef>
+              <a:effectRef idx="0">
+                <a:schemeClr val="accent1"/>
+              </a:effectRef>
+              <a:fontRef idx="minor">
+                <a:schemeClr val="lt1"/>
+              </a:fontRef>
+            </p:style>
+            <p:txBody>
+              <a:bodyPr rtlCol="0" anchor="ctr"/>
+              <a:lstStyle/>
+              <a:p>
+                <a:pPr algn="ctr"/>
+                <a:endParaRPr lang="en-US"/>
+              </a:p>
+            </p:txBody>
+          </p:sp>
+          <p:cxnSp>
+            <p:nvCxnSpPr>
+              <p:cNvPr id="37" name="Straight Connector 36">
+                <a:extLst>
+                  <a:ext uri="{FF2B5EF4-FFF2-40B4-BE49-F238E27FC236}">
+                    <a16:creationId xmlns:a16="http://schemas.microsoft.com/office/drawing/2014/main" id="{81A6C72D-599B-2E4A-99CE-339F1F8B0378}"/>
+                  </a:ext>
+                </a:extLst>
+              </p:cNvPr>
+              <p:cNvCxnSpPr>
+                <a:cxnSpLocks/>
+                <a:stCxn id="33" idx="0"/>
+              </p:cNvCxnSpPr>
+              <p:nvPr/>
+            </p:nvCxnSpPr>
+            <p:spPr>
+              <a:xfrm flipH="1" flipV="1">
+                <a:off x="6070558" y="0"/>
+                <a:ext cx="1463" cy="1619700"/>
+              </a:xfrm>
+              <a:prstGeom prst="line">
+                <a:avLst/>
+              </a:prstGeom>
+              <a:ln w="63500">
+                <a:solidFill>
+                  <a:schemeClr val="tx1"/>
+                </a:solidFill>
+              </a:ln>
+            </p:spPr>
+            <p:style>
+              <a:lnRef idx="1">
+                <a:schemeClr val="accent1"/>
+              </a:lnRef>
+              <a:fillRef idx="0">
+                <a:schemeClr val="accent1"/>
+              </a:fillRef>
+              <a:effectRef idx="0">
+                <a:schemeClr val="accent1"/>
+              </a:effectRef>
+              <a:fontRef idx="minor">
+                <a:schemeClr val="tx1"/>
+              </a:fontRef>
+            </p:style>
+          </p:cxnSp>
+        </p:grpSp>
+      </p:grpSp>
+      <p:grpSp>
+        <p:nvGrpSpPr>
+          <p:cNvPr id="50" name="Group 49">
             <a:extLst>
               <a:ext uri="{FF2B5EF4-FFF2-40B4-BE49-F238E27FC236}">
-                <a16:creationId xmlns:a16="http://schemas.microsoft.com/office/drawing/2014/main" id="{B4E152AD-7329-E44F-956F-4150A219A728}"/>
+                <a16:creationId xmlns:a16="http://schemas.microsoft.com/office/drawing/2014/main" id="{CFED76DC-6CE6-BB47-BC77-91020922F3CA}"/>
               </a:ext>
             </a:extLst>
           </p:cNvPr>
-          <p:cNvSpPr>
-            <a:spLocks noGrp="1"/>
-          </p:cNvSpPr>
-          <p:nvPr>
-            <p:ph type="subTitle" idx="1"/>
-          </p:nvPr>
-        </p:nvSpPr>
-        <p:spPr/>
-        <p:txBody>
-          <a:bodyPr/>
-          <a:lstStyle/>
-          <a:p>
-            <a:endParaRPr lang="en-US"/>
-          </a:p>
-        </p:txBody>
-      </p:sp>
+          <p:cNvGrpSpPr/>
+          <p:nvPr/>
+        </p:nvGrpSpPr>
+        <p:grpSpPr>
+          <a:xfrm>
+            <a:off x="1217939" y="1214438"/>
+            <a:ext cx="2776767" cy="5329237"/>
+            <a:chOff x="1217939" y="1214438"/>
+            <a:chExt cx="2776767" cy="5329237"/>
+          </a:xfrm>
+        </p:grpSpPr>
+        <p:grpSp>
+          <p:nvGrpSpPr>
+            <p:cNvPr id="35" name="Group 34">
+              <a:extLst>
+                <a:ext uri="{FF2B5EF4-FFF2-40B4-BE49-F238E27FC236}">
+                  <a16:creationId xmlns:a16="http://schemas.microsoft.com/office/drawing/2014/main" id="{89F821F3-10E5-0445-8E16-4903ADAB383E}"/>
+                </a:ext>
+              </a:extLst>
+            </p:cNvPr>
+            <p:cNvGrpSpPr/>
+            <p:nvPr/>
+          </p:nvGrpSpPr>
+          <p:grpSpPr>
+            <a:xfrm>
+              <a:off x="2206503" y="1214438"/>
+              <a:ext cx="1788203" cy="5329237"/>
+              <a:chOff x="2212297" y="1214438"/>
+              <a:chExt cx="1788203" cy="5329237"/>
+            </a:xfrm>
+          </p:grpSpPr>
+          <p:sp>
+            <p:nvSpPr>
+              <p:cNvPr id="13" name="Right Brace 12">
+                <a:extLst>
+                  <a:ext uri="{FF2B5EF4-FFF2-40B4-BE49-F238E27FC236}">
+                    <a16:creationId xmlns:a16="http://schemas.microsoft.com/office/drawing/2014/main" id="{491E2DEC-A2E6-1E43-84EC-E4EA3FD98B8E}"/>
+                  </a:ext>
+                </a:extLst>
+              </p:cNvPr>
+              <p:cNvSpPr/>
+              <p:nvPr/>
+            </p:nvSpPr>
+            <p:spPr>
+              <a:xfrm>
+                <a:off x="2743200" y="1214438"/>
+                <a:ext cx="1257300" cy="5329237"/>
+              </a:xfrm>
+              <a:prstGeom prst="rightBrace">
+                <a:avLst>
+                  <a:gd name="adj1" fmla="val 105966"/>
+                  <a:gd name="adj2" fmla="val 62601"/>
+                </a:avLst>
+              </a:prstGeom>
+              <a:ln w="57150">
+                <a:solidFill>
+                  <a:schemeClr val="tx1"/>
+                </a:solidFill>
+              </a:ln>
+            </p:spPr>
+            <p:style>
+              <a:lnRef idx="1">
+                <a:schemeClr val="accent1"/>
+              </a:lnRef>
+              <a:fillRef idx="0">
+                <a:schemeClr val="accent1"/>
+              </a:fillRef>
+              <a:effectRef idx="0">
+                <a:schemeClr val="accent1"/>
+              </a:effectRef>
+              <a:fontRef idx="minor">
+                <a:schemeClr val="tx1"/>
+              </a:fontRef>
+            </p:style>
+            <p:txBody>
+              <a:bodyPr rtlCol="0" anchor="ctr"/>
+              <a:lstStyle/>
+              <a:p>
+                <a:pPr algn="ctr"/>
+                <a:endParaRPr lang="en-US"/>
+              </a:p>
+            </p:txBody>
+          </p:sp>
+          <p:sp>
+            <p:nvSpPr>
+              <p:cNvPr id="14" name="Oval 13">
+                <a:extLst>
+                  <a:ext uri="{FF2B5EF4-FFF2-40B4-BE49-F238E27FC236}">
+                    <a16:creationId xmlns:a16="http://schemas.microsoft.com/office/drawing/2014/main" id="{B281A4E1-A570-AD41-807C-3E801391E49B}"/>
+                  </a:ext>
+                </a:extLst>
+              </p:cNvPr>
+              <p:cNvSpPr/>
+              <p:nvPr/>
+            </p:nvSpPr>
+            <p:spPr>
+              <a:xfrm>
+                <a:off x="2212297" y="3348153"/>
+                <a:ext cx="530903" cy="530903"/>
+              </a:xfrm>
+              <a:prstGeom prst="ellipse">
+                <a:avLst/>
+              </a:prstGeom>
+              <a:solidFill>
+                <a:schemeClr val="tx1"/>
+              </a:solidFill>
+              <a:ln>
+                <a:noFill/>
+              </a:ln>
+            </p:spPr>
+            <p:style>
+              <a:lnRef idx="2">
+                <a:schemeClr val="accent1">
+                  <a:shade val="50000"/>
+                </a:schemeClr>
+              </a:lnRef>
+              <a:fillRef idx="1">
+                <a:schemeClr val="accent1"/>
+              </a:fillRef>
+              <a:effectRef idx="0">
+                <a:schemeClr val="accent1"/>
+              </a:effectRef>
+              <a:fontRef idx="minor">
+                <a:schemeClr val="lt1"/>
+              </a:fontRef>
+            </p:style>
+            <p:txBody>
+              <a:bodyPr rtlCol="0" anchor="ctr"/>
+              <a:lstStyle/>
+              <a:p>
+                <a:pPr algn="ctr"/>
+                <a:endParaRPr lang="en-US"/>
+              </a:p>
+            </p:txBody>
+          </p:sp>
+          <p:cxnSp>
+            <p:nvCxnSpPr>
+              <p:cNvPr id="16" name="Straight Connector 15">
+                <a:extLst>
+                  <a:ext uri="{FF2B5EF4-FFF2-40B4-BE49-F238E27FC236}">
+                    <a16:creationId xmlns:a16="http://schemas.microsoft.com/office/drawing/2014/main" id="{99B14F68-D45D-C840-B775-42D67AC1C29C}"/>
+                  </a:ext>
+                </a:extLst>
+              </p:cNvPr>
+              <p:cNvCxnSpPr/>
+              <p:nvPr/>
+            </p:nvCxnSpPr>
+            <p:spPr>
+              <a:xfrm flipH="1">
+                <a:off x="2214562" y="5393532"/>
+                <a:ext cx="1157288" cy="0"/>
+              </a:xfrm>
+              <a:prstGeom prst="line">
+                <a:avLst/>
+              </a:prstGeom>
+              <a:ln w="57150">
+                <a:solidFill>
+                  <a:schemeClr val="tx1"/>
+                </a:solidFill>
+              </a:ln>
+            </p:spPr>
+            <p:style>
+              <a:lnRef idx="1">
+                <a:schemeClr val="accent1"/>
+              </a:lnRef>
+              <a:fillRef idx="0">
+                <a:schemeClr val="accent1"/>
+              </a:fillRef>
+              <a:effectRef idx="0">
+                <a:schemeClr val="accent1"/>
+              </a:effectRef>
+              <a:fontRef idx="minor">
+                <a:schemeClr val="tx1"/>
+              </a:fontRef>
+            </p:style>
+          </p:cxnSp>
+        </p:grpSp>
+        <p:sp>
+          <p:nvSpPr>
+            <p:cNvPr id="43" name="Left Bracket 42">
+              <a:extLst>
+                <a:ext uri="{FF2B5EF4-FFF2-40B4-BE49-F238E27FC236}">
+                  <a16:creationId xmlns:a16="http://schemas.microsoft.com/office/drawing/2014/main" id="{3AB7EC01-E6BB-3943-B8CA-9D6DF69245B3}"/>
+                </a:ext>
+              </a:extLst>
+            </p:cNvPr>
+            <p:cNvSpPr/>
+            <p:nvPr/>
+          </p:nvSpPr>
+          <p:spPr>
+            <a:xfrm>
+              <a:off x="1217939" y="1214438"/>
+              <a:ext cx="530904" cy="5329237"/>
+            </a:xfrm>
+            <a:prstGeom prst="leftBracket">
+              <a:avLst>
+                <a:gd name="adj" fmla="val 126853"/>
+              </a:avLst>
+            </a:prstGeom>
+            <a:ln w="57150">
+              <a:solidFill>
+                <a:schemeClr val="tx1"/>
+              </a:solidFill>
+            </a:ln>
+          </p:spPr>
+          <p:style>
+            <a:lnRef idx="1">
+              <a:schemeClr val="accent1"/>
+            </a:lnRef>
+            <a:fillRef idx="0">
+              <a:schemeClr val="accent1"/>
+            </a:fillRef>
+            <a:effectRef idx="0">
+              <a:schemeClr val="accent1"/>
+            </a:effectRef>
+            <a:fontRef idx="minor">
+              <a:schemeClr val="tx1"/>
+            </a:fontRef>
+          </p:style>
+          <p:txBody>
+            <a:bodyPr rtlCol="0" anchor="ctr"/>
+            <a:lstStyle/>
+            <a:p>
+              <a:pPr algn="ctr"/>
+              <a:endParaRPr lang="en-US"/>
+            </a:p>
+          </p:txBody>
+        </p:sp>
+        <p:cxnSp>
+          <p:nvCxnSpPr>
+            <p:cNvPr id="45" name="Straight Connector 44">
+              <a:extLst>
+                <a:ext uri="{FF2B5EF4-FFF2-40B4-BE49-F238E27FC236}">
+                  <a16:creationId xmlns:a16="http://schemas.microsoft.com/office/drawing/2014/main" id="{A3C72E09-F773-8044-B23D-1E1ACF4D92DF}"/>
+                </a:ext>
+              </a:extLst>
+            </p:cNvPr>
+            <p:cNvCxnSpPr>
+              <a:cxnSpLocks/>
+            </p:cNvCxnSpPr>
+            <p:nvPr/>
+          </p:nvCxnSpPr>
+          <p:spPr>
+            <a:xfrm>
+              <a:off x="1671161" y="1214438"/>
+              <a:ext cx="1072039" cy="0"/>
+            </a:xfrm>
+            <a:prstGeom prst="line">
+              <a:avLst/>
+            </a:prstGeom>
+            <a:ln w="57150">
+              <a:solidFill>
+                <a:schemeClr val="tx1"/>
+              </a:solidFill>
+            </a:ln>
+          </p:spPr>
+          <p:style>
+            <a:lnRef idx="1">
+              <a:schemeClr val="accent1"/>
+            </a:lnRef>
+            <a:fillRef idx="0">
+              <a:schemeClr val="accent1"/>
+            </a:fillRef>
+            <a:effectRef idx="0">
+              <a:schemeClr val="accent1"/>
+            </a:effectRef>
+            <a:fontRef idx="minor">
+              <a:schemeClr val="tx1"/>
+            </a:fontRef>
+          </p:style>
+        </p:cxnSp>
+      </p:grpSp>
+      <p:grpSp>
+        <p:nvGrpSpPr>
+          <p:cNvPr id="51" name="Group 50">
+            <a:extLst>
+              <a:ext uri="{FF2B5EF4-FFF2-40B4-BE49-F238E27FC236}">
+                <a16:creationId xmlns:a16="http://schemas.microsoft.com/office/drawing/2014/main" id="{2022CF11-65D5-B741-9656-6104AEAD4520}"/>
+              </a:ext>
+            </a:extLst>
+          </p:cNvPr>
+          <p:cNvGrpSpPr/>
+          <p:nvPr/>
+        </p:nvGrpSpPr>
+        <p:grpSpPr>
+          <a:xfrm>
+            <a:off x="4931938" y="2886075"/>
+            <a:ext cx="5251957" cy="3709530"/>
+            <a:chOff x="4931938" y="2886075"/>
+            <a:chExt cx="5251957" cy="3709530"/>
+          </a:xfrm>
+        </p:grpSpPr>
+        <p:grpSp>
+          <p:nvGrpSpPr>
+            <p:cNvPr id="41" name="Group 40">
+              <a:extLst>
+                <a:ext uri="{FF2B5EF4-FFF2-40B4-BE49-F238E27FC236}">
+                  <a16:creationId xmlns:a16="http://schemas.microsoft.com/office/drawing/2014/main" id="{CFD0C15B-A689-0D47-90D2-9E7DCA99A038}"/>
+                </a:ext>
+              </a:extLst>
+            </p:cNvPr>
+            <p:cNvGrpSpPr/>
+            <p:nvPr/>
+          </p:nvGrpSpPr>
+          <p:grpSpPr>
+            <a:xfrm>
+              <a:off x="4931938" y="2886075"/>
+              <a:ext cx="4465978" cy="3657600"/>
+              <a:chOff x="5200651" y="2886075"/>
+              <a:chExt cx="4465978" cy="3657600"/>
+            </a:xfrm>
+          </p:grpSpPr>
+          <p:sp>
+            <p:nvSpPr>
+              <p:cNvPr id="17" name="Cube 16">
+                <a:extLst>
+                  <a:ext uri="{FF2B5EF4-FFF2-40B4-BE49-F238E27FC236}">
+                    <a16:creationId xmlns:a16="http://schemas.microsoft.com/office/drawing/2014/main" id="{03485B7E-48E1-3349-BFEC-FF821EFDFD28}"/>
+                  </a:ext>
+                </a:extLst>
+              </p:cNvPr>
+              <p:cNvSpPr/>
+              <p:nvPr/>
+            </p:nvSpPr>
+            <p:spPr>
+              <a:xfrm>
+                <a:off x="5200651" y="4157663"/>
+                <a:ext cx="2386012" cy="2386012"/>
+              </a:xfrm>
+              <a:prstGeom prst="cube">
+                <a:avLst/>
+              </a:prstGeom>
+              <a:solidFill>
+                <a:srgbClr val="92D050"/>
+              </a:solidFill>
+              <a:ln>
+                <a:solidFill>
+                  <a:schemeClr val="tx1"/>
+                </a:solidFill>
+              </a:ln>
+            </p:spPr>
+            <p:style>
+              <a:lnRef idx="2">
+                <a:schemeClr val="accent1">
+                  <a:shade val="50000"/>
+                </a:schemeClr>
+              </a:lnRef>
+              <a:fillRef idx="1">
+                <a:schemeClr val="accent1"/>
+              </a:fillRef>
+              <a:effectRef idx="0">
+                <a:schemeClr val="accent1"/>
+              </a:effectRef>
+              <a:fontRef idx="minor">
+                <a:schemeClr val="lt1"/>
+              </a:fontRef>
+            </p:style>
+            <p:txBody>
+              <a:bodyPr rtlCol="0" anchor="ctr"/>
+              <a:lstStyle/>
+              <a:p>
+                <a:pPr algn="ctr"/>
+                <a:endParaRPr lang="en-US"/>
+              </a:p>
+            </p:txBody>
+          </p:sp>
+          <p:sp>
+            <p:nvSpPr>
+              <p:cNvPr id="19" name="Left Brace 18">
+                <a:extLst>
+                  <a:ext uri="{FF2B5EF4-FFF2-40B4-BE49-F238E27FC236}">
+                    <a16:creationId xmlns:a16="http://schemas.microsoft.com/office/drawing/2014/main" id="{281A90CD-692F-5E4A-BF24-E540FA111684}"/>
+                  </a:ext>
+                </a:extLst>
+              </p:cNvPr>
+              <p:cNvSpPr/>
+              <p:nvPr/>
+            </p:nvSpPr>
+            <p:spPr>
+              <a:xfrm>
+                <a:off x="8301039" y="2886075"/>
+                <a:ext cx="971550" cy="3657600"/>
+              </a:xfrm>
+              <a:prstGeom prst="leftBrace">
+                <a:avLst>
+                  <a:gd name="adj1" fmla="val 94118"/>
+                  <a:gd name="adj2" fmla="val 62891"/>
+                </a:avLst>
+              </a:prstGeom>
+              <a:ln w="57150">
+                <a:solidFill>
+                  <a:schemeClr val="tx1"/>
+                </a:solidFill>
+              </a:ln>
+            </p:spPr>
+            <p:style>
+              <a:lnRef idx="1">
+                <a:schemeClr val="accent1"/>
+              </a:lnRef>
+              <a:fillRef idx="0">
+                <a:schemeClr val="accent1"/>
+              </a:fillRef>
+              <a:effectRef idx="0">
+                <a:schemeClr val="accent1"/>
+              </a:effectRef>
+              <a:fontRef idx="minor">
+                <a:schemeClr val="tx1"/>
+              </a:fontRef>
+            </p:style>
+            <p:txBody>
+              <a:bodyPr rtlCol="0" anchor="ctr"/>
+              <a:lstStyle/>
+              <a:p>
+                <a:pPr algn="ctr"/>
+                <a:endParaRPr lang="en-US"/>
+              </a:p>
+            </p:txBody>
+          </p:sp>
+          <p:sp>
+            <p:nvSpPr>
+              <p:cNvPr id="20" name="Oval 19">
+                <a:extLst>
+                  <a:ext uri="{FF2B5EF4-FFF2-40B4-BE49-F238E27FC236}">
+                    <a16:creationId xmlns:a16="http://schemas.microsoft.com/office/drawing/2014/main" id="{B0498D66-81D5-F84E-9E36-72C5BE095658}"/>
+                  </a:ext>
+                </a:extLst>
+              </p:cNvPr>
+              <p:cNvSpPr/>
+              <p:nvPr/>
+            </p:nvSpPr>
+            <p:spPr>
+              <a:xfrm>
+                <a:off x="9272589" y="4320836"/>
+                <a:ext cx="394040" cy="394040"/>
+              </a:xfrm>
+              <a:prstGeom prst="ellipse">
+                <a:avLst/>
+              </a:prstGeom>
+              <a:solidFill>
+                <a:schemeClr val="tx1"/>
+              </a:solidFill>
+              <a:ln>
+                <a:noFill/>
+              </a:ln>
+            </p:spPr>
+            <p:style>
+              <a:lnRef idx="2">
+                <a:schemeClr val="accent1">
+                  <a:shade val="50000"/>
+                </a:schemeClr>
+              </a:lnRef>
+              <a:fillRef idx="1">
+                <a:schemeClr val="accent1"/>
+              </a:fillRef>
+              <a:effectRef idx="0">
+                <a:schemeClr val="accent1"/>
+              </a:effectRef>
+              <a:fontRef idx="minor">
+                <a:schemeClr val="lt1"/>
+              </a:fontRef>
+            </p:style>
+            <p:txBody>
+              <a:bodyPr rtlCol="0" anchor="ctr"/>
+              <a:lstStyle/>
+              <a:p>
+                <a:pPr algn="ctr"/>
+                <a:endParaRPr lang="en-US"/>
+              </a:p>
+            </p:txBody>
+          </p:sp>
+          <p:sp>
+            <p:nvSpPr>
+              <p:cNvPr id="21" name="Oval 20">
+                <a:extLst>
+                  <a:ext uri="{FF2B5EF4-FFF2-40B4-BE49-F238E27FC236}">
+                    <a16:creationId xmlns:a16="http://schemas.microsoft.com/office/drawing/2014/main" id="{93CE8A3B-8F68-A946-BBD5-520895FF2574}"/>
+                  </a:ext>
+                </a:extLst>
+              </p:cNvPr>
+              <p:cNvSpPr/>
+              <p:nvPr/>
+            </p:nvSpPr>
+            <p:spPr>
+              <a:xfrm>
+                <a:off x="9115426" y="5514975"/>
+                <a:ext cx="171451" cy="471487"/>
+              </a:xfrm>
+              <a:prstGeom prst="ellipse">
+                <a:avLst/>
+              </a:prstGeom>
+              <a:solidFill>
+                <a:schemeClr val="tx1"/>
+              </a:solidFill>
+              <a:ln>
+                <a:noFill/>
+              </a:ln>
+            </p:spPr>
+            <p:style>
+              <a:lnRef idx="2">
+                <a:schemeClr val="accent1">
+                  <a:shade val="50000"/>
+                </a:schemeClr>
+              </a:lnRef>
+              <a:fillRef idx="1">
+                <a:schemeClr val="accent1"/>
+              </a:fillRef>
+              <a:effectRef idx="0">
+                <a:schemeClr val="accent1"/>
+              </a:effectRef>
+              <a:fontRef idx="minor">
+                <a:schemeClr val="lt1"/>
+              </a:fontRef>
+            </p:style>
+            <p:txBody>
+              <a:bodyPr rtlCol="0" anchor="ctr"/>
+              <a:lstStyle/>
+              <a:p>
+                <a:pPr algn="ctr"/>
+                <a:r>
+                  <a:rPr lang="en-US" dirty="0"/>
+                  <a:t>  </a:t>
+                </a:r>
+              </a:p>
+            </p:txBody>
+          </p:sp>
+          <p:sp>
+            <p:nvSpPr>
+              <p:cNvPr id="22" name="Freeform 21">
+                <a:extLst>
+                  <a:ext uri="{FF2B5EF4-FFF2-40B4-BE49-F238E27FC236}">
+                    <a16:creationId xmlns:a16="http://schemas.microsoft.com/office/drawing/2014/main" id="{3D0228AE-F92B-C940-A8CC-D36B6E796D1D}"/>
+                  </a:ext>
+                </a:extLst>
+              </p:cNvPr>
+              <p:cNvSpPr/>
+              <p:nvPr/>
+            </p:nvSpPr>
+            <p:spPr>
+              <a:xfrm>
+                <a:off x="7270709" y="5464969"/>
+                <a:ext cx="1930442" cy="471488"/>
+              </a:xfrm>
+              <a:custGeom>
+                <a:avLst/>
+                <a:gdLst>
+                  <a:gd name="connsiteX0" fmla="*/ 1930442 w 1930442"/>
+                  <a:gd name="connsiteY0" fmla="*/ 515557 h 617789"/>
+                  <a:gd name="connsiteX1" fmla="*/ 1530392 w 1930442"/>
+                  <a:gd name="connsiteY1" fmla="*/ 615569 h 617789"/>
+                  <a:gd name="connsiteX2" fmla="*/ 1158917 w 1930442"/>
+                  <a:gd name="connsiteY2" fmla="*/ 429832 h 617789"/>
+                  <a:gd name="connsiteX3" fmla="*/ 758867 w 1930442"/>
+                  <a:gd name="connsiteY3" fmla="*/ 544132 h 617789"/>
+                  <a:gd name="connsiteX4" fmla="*/ 444542 w 1930442"/>
+                  <a:gd name="connsiteY4" fmla="*/ 315532 h 617789"/>
+                  <a:gd name="connsiteX5" fmla="*/ 101642 w 1930442"/>
+                  <a:gd name="connsiteY5" fmla="*/ 372682 h 617789"/>
+                  <a:gd name="connsiteX6" fmla="*/ 30205 w 1930442"/>
+                  <a:gd name="connsiteY6" fmla="*/ 129794 h 617789"/>
+                  <a:gd name="connsiteX7" fmla="*/ 544555 w 1930442"/>
+                  <a:gd name="connsiteY7" fmla="*/ 1207 h 617789"/>
+                  <a:gd name="connsiteX8" fmla="*/ 816017 w 1930442"/>
+                  <a:gd name="connsiteY8" fmla="*/ 201232 h 617789"/>
+                  <a:gd name="connsiteX9" fmla="*/ 1144630 w 1930442"/>
+                  <a:gd name="connsiteY9" fmla="*/ 101219 h 617789"/>
+                  <a:gd name="connsiteX10" fmla="*/ 1616117 w 1930442"/>
+                  <a:gd name="connsiteY10" fmla="*/ 301244 h 617789"/>
+                  <a:gd name="connsiteX11" fmla="*/ 1916155 w 1930442"/>
+                  <a:gd name="connsiteY11" fmla="*/ 258382 h 617789"/>
+                </a:gdLst>
+                <a:ahLst/>
+                <a:cxnLst>
+                  <a:cxn ang="0">
+                    <a:pos x="connsiteX0" y="connsiteY0"/>
+                  </a:cxn>
+                  <a:cxn ang="0">
+                    <a:pos x="connsiteX1" y="connsiteY1"/>
+                  </a:cxn>
+                  <a:cxn ang="0">
+                    <a:pos x="connsiteX2" y="connsiteY2"/>
+                  </a:cxn>
+                  <a:cxn ang="0">
+                    <a:pos x="connsiteX3" y="connsiteY3"/>
+                  </a:cxn>
+                  <a:cxn ang="0">
+                    <a:pos x="connsiteX4" y="connsiteY4"/>
+                  </a:cxn>
+                  <a:cxn ang="0">
+                    <a:pos x="connsiteX5" y="connsiteY5"/>
+                  </a:cxn>
+                  <a:cxn ang="0">
+                    <a:pos x="connsiteX6" y="connsiteY6"/>
+                  </a:cxn>
+                  <a:cxn ang="0">
+                    <a:pos x="connsiteX7" y="connsiteY7"/>
+                  </a:cxn>
+                  <a:cxn ang="0">
+                    <a:pos x="connsiteX8" y="connsiteY8"/>
+                  </a:cxn>
+                  <a:cxn ang="0">
+                    <a:pos x="connsiteX9" y="connsiteY9"/>
+                  </a:cxn>
+                  <a:cxn ang="0">
+                    <a:pos x="connsiteX10" y="connsiteY10"/>
+                  </a:cxn>
+                  <a:cxn ang="0">
+                    <a:pos x="connsiteX11" y="connsiteY11"/>
+                  </a:cxn>
+                </a:cxnLst>
+                <a:rect l="l" t="t" r="r" b="b"/>
+                <a:pathLst>
+                  <a:path w="1930442" h="617789">
+                    <a:moveTo>
+                      <a:pt x="1930442" y="515557"/>
+                    </a:moveTo>
+                    <a:cubicBezTo>
+                      <a:pt x="1794710" y="572707"/>
+                      <a:pt x="1658979" y="629857"/>
+                      <a:pt x="1530392" y="615569"/>
+                    </a:cubicBezTo>
+                    <a:cubicBezTo>
+                      <a:pt x="1401804" y="601282"/>
+                      <a:pt x="1287504" y="441738"/>
+                      <a:pt x="1158917" y="429832"/>
+                    </a:cubicBezTo>
+                    <a:cubicBezTo>
+                      <a:pt x="1030330" y="417926"/>
+                      <a:pt x="877929" y="563182"/>
+                      <a:pt x="758867" y="544132"/>
+                    </a:cubicBezTo>
+                    <a:cubicBezTo>
+                      <a:pt x="639804" y="525082"/>
+                      <a:pt x="554079" y="344107"/>
+                      <a:pt x="444542" y="315532"/>
+                    </a:cubicBezTo>
+                    <a:cubicBezTo>
+                      <a:pt x="335005" y="286957"/>
+                      <a:pt x="170698" y="403638"/>
+                      <a:pt x="101642" y="372682"/>
+                    </a:cubicBezTo>
+                    <a:cubicBezTo>
+                      <a:pt x="32586" y="341726"/>
+                      <a:pt x="-43614" y="191706"/>
+                      <a:pt x="30205" y="129794"/>
+                    </a:cubicBezTo>
+                    <a:cubicBezTo>
+                      <a:pt x="104024" y="67881"/>
+                      <a:pt x="413586" y="-10699"/>
+                      <a:pt x="544555" y="1207"/>
+                    </a:cubicBezTo>
+                    <a:cubicBezTo>
+                      <a:pt x="675524" y="13113"/>
+                      <a:pt x="716004" y="184563"/>
+                      <a:pt x="816017" y="201232"/>
+                    </a:cubicBezTo>
+                    <a:cubicBezTo>
+                      <a:pt x="916029" y="217901"/>
+                      <a:pt x="1011280" y="84550"/>
+                      <a:pt x="1144630" y="101219"/>
+                    </a:cubicBezTo>
+                    <a:cubicBezTo>
+                      <a:pt x="1277980" y="117888"/>
+                      <a:pt x="1487530" y="275050"/>
+                      <a:pt x="1616117" y="301244"/>
+                    </a:cubicBezTo>
+                    <a:cubicBezTo>
+                      <a:pt x="1744704" y="327438"/>
+                      <a:pt x="1830429" y="292910"/>
+                      <a:pt x="1916155" y="258382"/>
+                    </a:cubicBezTo>
+                  </a:path>
+                </a:pathLst>
+              </a:custGeom>
+              <a:solidFill>
+                <a:srgbClr val="FF0000"/>
+              </a:solidFill>
+              <a:ln w="57150">
+                <a:solidFill>
+                  <a:srgbClr val="C00000"/>
+                </a:solidFill>
+              </a:ln>
+            </p:spPr>
+            <p:style>
+              <a:lnRef idx="2">
+                <a:schemeClr val="accent1">
+                  <a:shade val="50000"/>
+                </a:schemeClr>
+              </a:lnRef>
+              <a:fillRef idx="1">
+                <a:schemeClr val="accent1"/>
+              </a:fillRef>
+              <a:effectRef idx="0">
+                <a:schemeClr val="accent1"/>
+              </a:effectRef>
+              <a:fontRef idx="minor">
+                <a:schemeClr val="lt1"/>
+              </a:fontRef>
+            </p:style>
+            <p:txBody>
+              <a:bodyPr rtlCol="0" anchor="ctr"/>
+              <a:lstStyle/>
+              <a:p>
+                <a:pPr algn="ctr"/>
+                <a:endParaRPr lang="en-US"/>
+              </a:p>
+            </p:txBody>
+          </p:sp>
+        </p:grpSp>
+        <p:sp>
+          <p:nvSpPr>
+            <p:cNvPr id="47" name="Left Bracket 46">
+              <a:extLst>
+                <a:ext uri="{FF2B5EF4-FFF2-40B4-BE49-F238E27FC236}">
+                  <a16:creationId xmlns:a16="http://schemas.microsoft.com/office/drawing/2014/main" id="{F35E83F8-C00A-A14B-96FD-A8CB366070E2}"/>
+                </a:ext>
+              </a:extLst>
+            </p:cNvPr>
+            <p:cNvSpPr/>
+            <p:nvPr/>
+          </p:nvSpPr>
+          <p:spPr>
+            <a:xfrm flipH="1">
+              <a:off x="9626129" y="2886075"/>
+              <a:ext cx="557766" cy="3709530"/>
+            </a:xfrm>
+            <a:prstGeom prst="leftBracket">
+              <a:avLst>
+                <a:gd name="adj" fmla="val 147035"/>
+              </a:avLst>
+            </a:prstGeom>
+            <a:ln w="57150">
+              <a:solidFill>
+                <a:schemeClr val="tx1"/>
+              </a:solidFill>
+            </a:ln>
+          </p:spPr>
+          <p:style>
+            <a:lnRef idx="1">
+              <a:schemeClr val="accent1"/>
+            </a:lnRef>
+            <a:fillRef idx="0">
+              <a:schemeClr val="accent1"/>
+            </a:fillRef>
+            <a:effectRef idx="0">
+              <a:schemeClr val="accent1"/>
+            </a:effectRef>
+            <a:fontRef idx="minor">
+              <a:schemeClr val="tx1"/>
+            </a:fontRef>
+          </p:style>
+          <p:txBody>
+            <a:bodyPr rtlCol="0" anchor="ctr"/>
+            <a:lstStyle/>
+            <a:p>
+              <a:pPr algn="ctr"/>
+              <a:endParaRPr lang="en-US"/>
+            </a:p>
+          </p:txBody>
+        </p:sp>
+        <p:cxnSp>
+          <p:nvCxnSpPr>
+            <p:cNvPr id="48" name="Straight Connector 47">
+              <a:extLst>
+                <a:ext uri="{FF2B5EF4-FFF2-40B4-BE49-F238E27FC236}">
+                  <a16:creationId xmlns:a16="http://schemas.microsoft.com/office/drawing/2014/main" id="{376928A8-FBB9-B341-A399-F62716F9B7DE}"/>
+                </a:ext>
+              </a:extLst>
+            </p:cNvPr>
+            <p:cNvCxnSpPr>
+              <a:cxnSpLocks/>
+            </p:cNvCxnSpPr>
+            <p:nvPr/>
+          </p:nvCxnSpPr>
+          <p:spPr>
+            <a:xfrm>
+              <a:off x="8932438" y="2886075"/>
+              <a:ext cx="714375" cy="0"/>
+            </a:xfrm>
+            <a:prstGeom prst="line">
+              <a:avLst/>
+            </a:prstGeom>
+            <a:ln w="57150">
+              <a:solidFill>
+                <a:schemeClr val="tx1"/>
+              </a:solidFill>
+            </a:ln>
+          </p:spPr>
+          <p:style>
+            <a:lnRef idx="1">
+              <a:schemeClr val="accent1"/>
+            </a:lnRef>
+            <a:fillRef idx="0">
+              <a:schemeClr val="accent1"/>
+            </a:fillRef>
+            <a:effectRef idx="0">
+              <a:schemeClr val="accent1"/>
+            </a:effectRef>
+            <a:fontRef idx="minor">
+              <a:schemeClr val="tx1"/>
+            </a:fontRef>
+          </p:style>
+        </p:cxnSp>
+      </p:grpSp>
     </p:spTree>
     <p:extLst>
       <p:ext uri="{BB962C8B-B14F-4D97-AF65-F5344CB8AC3E}">
@@ -3439,7 +3989,7 @@
 <file path=ppt/theme/theme1.xml><?xml version="1.0" encoding="utf-8"?>
 <a:theme xmlns:a="http://schemas.openxmlformats.org/drawingml/2006/main" name="Office Theme">
   <a:themeElements>
-    <a:clrScheme name="Office">
+    <a:clrScheme name="Office Theme">
       <a:dk1>
         <a:sysClr val="windowText" lastClr="000000"/>
       </a:dk1>
@@ -3477,7 +4027,7 @@
         <a:srgbClr val="954F72"/>
       </a:folHlink>
     </a:clrScheme>
-    <a:fontScheme name="Office">
+    <a:fontScheme name="Office Theme">
       <a:majorFont>
         <a:latin typeface="Calibri Light" panose="020F0302020204030204"/>
         <a:ea typeface=""/>
@@ -3512,23 +4062,6 @@
         <a:font script="Viet" typeface="Times New Roman"/>
         <a:font script="Uigh" typeface="Microsoft Uighur"/>
         <a:font script="Geor" typeface="Sylfaen"/>
-        <a:font script="Armn" typeface="Arial"/>
-        <a:font script="Bugi" typeface="Leelawadee UI"/>
-        <a:font script="Bopo" typeface="Microsoft JhengHei"/>
-        <a:font script="Java" typeface="Javanese Text"/>
-        <a:font script="Lisu" typeface="Segoe UI"/>
-        <a:font script="Mymr" typeface="Myanmar Text"/>
-        <a:font script="Nkoo" typeface="Ebrima"/>
-        <a:font script="Olck" typeface="Nirmala UI"/>
-        <a:font script="Osma" typeface="Ebrima"/>
-        <a:font script="Phag" typeface="Phagspa"/>
-        <a:font script="Syrn" typeface="Estrangelo Edessa"/>
-        <a:font script="Syrj" typeface="Estrangelo Edessa"/>
-        <a:font script="Syre" typeface="Estrangelo Edessa"/>
-        <a:font script="Sora" typeface="Nirmala UI"/>
-        <a:font script="Tale" typeface="Microsoft Tai Le"/>
-        <a:font script="Talu" typeface="Microsoft New Tai Lue"/>
-        <a:font script="Tfng" typeface="Ebrima"/>
       </a:majorFont>
       <a:minorFont>
         <a:latin typeface="Calibri" panose="020F0502020204030204"/>
@@ -3564,26 +4097,9 @@
         <a:font script="Viet" typeface="Arial"/>
         <a:font script="Uigh" typeface="Microsoft Uighur"/>
         <a:font script="Geor" typeface="Sylfaen"/>
-        <a:font script="Armn" typeface="Arial"/>
-        <a:font script="Bugi" typeface="Leelawadee UI"/>
-        <a:font script="Bopo" typeface="Microsoft JhengHei"/>
-        <a:font script="Java" typeface="Javanese Text"/>
-        <a:font script="Lisu" typeface="Segoe UI"/>
-        <a:font script="Mymr" typeface="Myanmar Text"/>
-        <a:font script="Nkoo" typeface="Ebrima"/>
-        <a:font script="Olck" typeface="Nirmala UI"/>
-        <a:font script="Osma" typeface="Ebrima"/>
-        <a:font script="Phag" typeface="Phagspa"/>
-        <a:font script="Syrn" typeface="Estrangelo Edessa"/>
-        <a:font script="Syrj" typeface="Estrangelo Edessa"/>
-        <a:font script="Syre" typeface="Estrangelo Edessa"/>
-        <a:font script="Sora" typeface="Nirmala UI"/>
-        <a:font script="Tale" typeface="Microsoft Tai Le"/>
-        <a:font script="Talu" typeface="Microsoft New Tai Lue"/>
-        <a:font script="Tfng" typeface="Ebrima"/>
       </a:minorFont>
     </a:fontScheme>
-    <a:fmtScheme name="Office">
+    <a:fmtScheme name="Office Theme">
       <a:fillStyleLst>
         <a:solidFill>
           <a:schemeClr val="phClr"/>
